--- a/PPT/Angular15-Routing.pptx
+++ b/PPT/Angular15-Routing.pptx
@@ -5,10 +5,10 @@
     <p:sldMasterId id="2147483653" r:id="rId1"/>
   </p:sldMasterIdLst>
   <p:notesMasterIdLst>
-    <p:notesMasterId r:id="rId19"/>
+    <p:notesMasterId r:id="rId18"/>
   </p:notesMasterIdLst>
   <p:handoutMasterIdLst>
-    <p:handoutMasterId r:id="rId20"/>
+    <p:handoutMasterId r:id="rId19"/>
   </p:handoutMasterIdLst>
   <p:sldIdLst>
     <p:sldId id="264" r:id="rId2"/>
@@ -27,7 +27,6 @@
     <p:sldId id="285" r:id="rId15"/>
     <p:sldId id="286" r:id="rId16"/>
     <p:sldId id="287" r:id="rId17"/>
-    <p:sldId id="272" r:id="rId18"/>
   </p:sldIdLst>
   <p:sldSz cx="9144000" cy="6858000" type="screen4x3"/>
   <p:notesSz cx="6648450" cy="9782175"/>
@@ -3705,11 +3704,7 @@
             <a:pPr eaLnBrk="1" hangingPunct="1"/>
             <a:r>
               <a:rPr lang="fr-FR" altLang="fr-FR" smtClean="0"/>
-              <a:t>Chapitre </a:t>
-            </a:r>
-            <a:r>
-              <a:rPr lang="fr-FR" altLang="fr-FR" smtClean="0"/>
-              <a:t>15</a:t>
+              <a:t>Chapitre 15</a:t>
             </a:r>
             <a:endParaRPr lang="fr-FR" altLang="fr-FR" dirty="0" smtClean="0"/>
           </a:p>
@@ -5035,229 +5030,6 @@
     <p:extLst>
       <p:ext uri="{BB962C8B-B14F-4D97-AF65-F5344CB8AC3E}">
         <p14:creationId xmlns:p14="http://schemas.microsoft.com/office/powerpoint/2010/main" val="89760979"/>
-      </p:ext>
-    </p:extLst>
-  </p:cSld>
-  <p:clrMapOvr>
-    <a:masterClrMapping/>
-  </p:clrMapOvr>
-  <p:timing>
-    <p:tnLst>
-      <p:par>
-        <p:cTn id="1" dur="indefinite" restart="never" nodeType="tmRoot"/>
-      </p:par>
-    </p:tnLst>
-  </p:timing>
-</p:sld>
-</file>
-
-<file path=ppt/slides/slide17.xml><?xml version="1.0" encoding="utf-8"?>
-<p:sld xmlns:a="http://schemas.openxmlformats.org/drawingml/2006/main" xmlns:r="http://schemas.openxmlformats.org/officeDocument/2006/relationships" xmlns:p="http://schemas.openxmlformats.org/presentationml/2006/main">
-  <p:cSld>
-    <p:spTree>
-      <p:nvGrpSpPr>
-        <p:cNvPr id="1" name=""/>
-        <p:cNvGrpSpPr/>
-        <p:nvPr/>
-      </p:nvGrpSpPr>
-      <p:grpSpPr>
-        <a:xfrm>
-          <a:off x="0" y="0"/>
-          <a:ext cx="0" cy="0"/>
-          <a:chOff x="0" y="0"/>
-          <a:chExt cx="0" cy="0"/>
-        </a:xfrm>
-      </p:grpSpPr>
-      <p:sp>
-        <p:nvSpPr>
-          <p:cNvPr id="2" name="Titre 1"/>
-          <p:cNvSpPr>
-            <a:spLocks noGrp="1"/>
-          </p:cNvSpPr>
-          <p:nvPr>
-            <p:ph type="title"/>
-          </p:nvPr>
-        </p:nvSpPr>
-        <p:spPr/>
-        <p:txBody>
-          <a:bodyPr/>
-          <a:lstStyle/>
-          <a:p>
-            <a:r>
-              <a:rPr lang="fr-FR" dirty="0" smtClean="0"/>
-              <a:t>URL Rewriting</a:t>
-            </a:r>
-            <a:endParaRPr lang="fr-FR" dirty="0"/>
-          </a:p>
-        </p:txBody>
-      </p:sp>
-      <p:sp>
-        <p:nvSpPr>
-          <p:cNvPr id="3" name="Espace réservé du contenu 2"/>
-          <p:cNvSpPr>
-            <a:spLocks noGrp="1"/>
-          </p:cNvSpPr>
-          <p:nvPr>
-            <p:ph idx="1"/>
-          </p:nvPr>
-        </p:nvSpPr>
-        <p:spPr/>
-        <p:txBody>
-          <a:bodyPr/>
-          <a:lstStyle/>
-          <a:p>
-            <a:r>
-              <a:rPr lang="fr-FR" dirty="0" smtClean="0"/>
-              <a:t>$location permet de réécrire l’URL</a:t>
-            </a:r>
-          </a:p>
-          <a:p>
-            <a:r>
-              <a:rPr lang="fr-FR" dirty="0" smtClean="0"/>
-              <a:t>En mode HTML 5 uniquement</a:t>
-            </a:r>
-            <a:endParaRPr lang="en-US" dirty="0" smtClean="0"/>
-          </a:p>
-          <a:p>
-            <a:pPr marL="457200" lvl="1" indent="0">
-              <a:buNone/>
-            </a:pPr>
-            <a:r>
-              <a:rPr lang="fr-FR" sz="1800" dirty="0" err="1"/>
-              <a:t>function</a:t>
-            </a:r>
-            <a:r>
-              <a:rPr lang="fr-FR" sz="1800" dirty="0"/>
-              <a:t>($</a:t>
-            </a:r>
-            <a:r>
-              <a:rPr lang="fr-FR" sz="1800" dirty="0" err="1"/>
-              <a:t>locationProvider</a:t>
-            </a:r>
-            <a:r>
-              <a:rPr lang="fr-FR" sz="1800" dirty="0"/>
-              <a:t>) {</a:t>
-            </a:r>
-          </a:p>
-          <a:p>
-            <a:pPr marL="457200" lvl="1" indent="0">
-              <a:buNone/>
-            </a:pPr>
-            <a:r>
-              <a:rPr lang="fr-FR" sz="1800" dirty="0"/>
-              <a:t>    $locationProvider.html5Mode(</a:t>
-            </a:r>
-            <a:r>
-              <a:rPr lang="fr-FR" sz="1800" dirty="0" err="1"/>
-              <a:t>true</a:t>
-            </a:r>
-            <a:r>
-              <a:rPr lang="fr-FR" sz="1800" dirty="0"/>
-              <a:t>);</a:t>
-            </a:r>
-          </a:p>
-          <a:p>
-            <a:pPr marL="457200" lvl="1" indent="0">
-              <a:buNone/>
-            </a:pPr>
-            <a:r>
-              <a:rPr lang="fr-FR" sz="1800" dirty="0" smtClean="0"/>
-              <a:t>},</a:t>
-            </a:r>
-            <a:endParaRPr lang="fr-FR" sz="1800" dirty="0"/>
-          </a:p>
-          <a:p>
-            <a:pPr marL="457200" lvl="1" indent="0">
-              <a:buNone/>
-            </a:pPr>
-            <a:r>
-              <a:rPr lang="fr-FR" sz="1800" dirty="0"/>
-              <a:t>  </a:t>
-            </a:r>
-            <a:r>
-              <a:rPr lang="fr-FR" sz="1800" dirty="0" err="1"/>
-              <a:t>function</a:t>
-            </a:r>
-            <a:r>
-              <a:rPr lang="fr-FR" sz="1800" dirty="0"/>
-              <a:t>($location) </a:t>
-            </a:r>
-            <a:r>
-              <a:rPr lang="fr-FR" sz="1800" dirty="0" smtClean="0"/>
-              <a:t>{</a:t>
-            </a:r>
-            <a:endParaRPr lang="fr-FR" sz="1800" dirty="0"/>
-          </a:p>
-          <a:p>
-            <a:pPr marL="457200" lvl="1" indent="0">
-              <a:buNone/>
-            </a:pPr>
-            <a:r>
-              <a:rPr lang="fr-FR" sz="1800" dirty="0"/>
-              <a:t>    $</a:t>
-            </a:r>
-            <a:r>
-              <a:rPr lang="fr-FR" sz="1800" dirty="0" err="1"/>
-              <a:t>location.path</a:t>
-            </a:r>
-            <a:r>
-              <a:rPr lang="fr-FR" sz="1800" dirty="0"/>
-              <a:t>('/</a:t>
-            </a:r>
-            <a:r>
-              <a:rPr lang="fr-FR" sz="1800" dirty="0" err="1"/>
-              <a:t>foo</a:t>
-            </a:r>
-            <a:r>
-              <a:rPr lang="fr-FR" sz="1800" dirty="0"/>
-              <a:t>');</a:t>
-            </a:r>
-          </a:p>
-          <a:p>
-            <a:pPr marL="457200" lvl="1" indent="0">
-              <a:buNone/>
-            </a:pPr>
-            <a:r>
-              <a:rPr lang="fr-FR" sz="1800" dirty="0"/>
-              <a:t>    $</a:t>
-            </a:r>
-            <a:r>
-              <a:rPr lang="fr-FR" sz="1800" dirty="0" err="1"/>
-              <a:t>location.absUrl</a:t>
-            </a:r>
-            <a:r>
-              <a:rPr lang="fr-FR" sz="1800" dirty="0"/>
-              <a:t>() === 'http://</a:t>
-            </a:r>
-            <a:r>
-              <a:rPr lang="fr-FR" sz="1800" dirty="0" smtClean="0"/>
-              <a:t>example.com/</a:t>
-            </a:r>
-            <a:r>
-              <a:rPr lang="fr-FR" sz="1800" dirty="0" err="1" smtClean="0"/>
-              <a:t>foo</a:t>
-            </a:r>
-            <a:r>
-              <a:rPr lang="fr-FR" sz="1800" dirty="0" smtClean="0"/>
-              <a:t>‘</a:t>
-            </a:r>
-          </a:p>
-          <a:p>
-            <a:pPr marL="457200" lvl="1" indent="0">
-              <a:buNone/>
-            </a:pPr>
-            <a:r>
-              <a:rPr lang="fr-FR" sz="1800"/>
-              <a:t>}</a:t>
-            </a:r>
-            <a:endParaRPr lang="fr-FR" dirty="0"/>
-          </a:p>
-        </p:txBody>
-      </p:sp>
-    </p:spTree>
-    <p:extLst>
-      <p:ext uri="{BB962C8B-B14F-4D97-AF65-F5344CB8AC3E}">
-        <p14:creationId xmlns:p14="http://schemas.microsoft.com/office/powerpoint/2010/main" val="608097949"/>
       </p:ext>
     </p:extLst>
   </p:cSld>

--- a/PPT/Angular15-Routing.pptx
+++ b/PPT/Angular15-Routing.pptx
@@ -4693,6 +4693,46 @@
           <a:bodyPr/>
           <a:lstStyle/>
           <a:p>
+            <a:endParaRPr lang="fr-FR" dirty="0" smtClean="0"/>
+          </a:p>
+          <a:p>
+            <a:endParaRPr lang="fr-FR" dirty="0"/>
+          </a:p>
+          <a:p>
+            <a:endParaRPr lang="fr-FR" dirty="0" smtClean="0"/>
+          </a:p>
+          <a:p>
+            <a:endParaRPr lang="fr-FR" dirty="0"/>
+          </a:p>
+          <a:p>
+            <a:endParaRPr lang="fr-FR" dirty="0" smtClean="0"/>
+          </a:p>
+          <a:p>
+            <a:endParaRPr lang="fr-FR" dirty="0"/>
+          </a:p>
+          <a:p>
+            <a:endParaRPr lang="fr-FR" dirty="0" smtClean="0"/>
+          </a:p>
+          <a:p>
+            <a:endParaRPr lang="fr-FR" dirty="0"/>
+          </a:p>
+          <a:p>
+            <a:r>
+              <a:rPr lang="fr-FR" dirty="0" smtClean="0"/>
+              <a:t>Le signe + permet de </a:t>
+            </a:r>
+            <a:r>
+              <a:rPr lang="fr-FR" dirty="0" err="1" smtClean="0"/>
+              <a:t>caster</a:t>
+            </a:r>
+            <a:r>
+              <a:rPr lang="fr-FR" dirty="0" smtClean="0"/>
+              <a:t> en </a:t>
+            </a:r>
+            <a:r>
+              <a:rPr lang="fr-FR" smtClean="0"/>
+              <a:t>number</a:t>
+            </a:r>
             <a:endParaRPr lang="fr-FR"/>
           </a:p>
         </p:txBody>

--- a/PPT/Angular15-Routing.pptx
+++ b/PPT/Angular15-Routing.pptx
@@ -619,35 +619,35 @@
           <a:p>
             <a:pPr lvl="0"/>
             <a:r>
-              <a:rPr lang="fr-FR" noProof="0" smtClean="0"/>
+              <a:rPr lang="fr-FR" noProof="0"/>
               <a:t>Cliquez pour modifier les styles du texte du masque</a:t>
             </a:r>
           </a:p>
           <a:p>
             <a:pPr lvl="1"/>
             <a:r>
-              <a:rPr lang="fr-FR" noProof="0" smtClean="0"/>
+              <a:rPr lang="fr-FR" noProof="0"/>
               <a:t>Deuxième niveau</a:t>
             </a:r>
           </a:p>
           <a:p>
             <a:pPr lvl="2"/>
             <a:r>
-              <a:rPr lang="fr-FR" noProof="0" smtClean="0"/>
+              <a:rPr lang="fr-FR" noProof="0"/>
               <a:t>Troisième niveau</a:t>
             </a:r>
           </a:p>
           <a:p>
             <a:pPr lvl="3"/>
             <a:r>
-              <a:rPr lang="fr-FR" noProof="0" smtClean="0"/>
+              <a:rPr lang="fr-FR" noProof="0"/>
               <a:t>Quatrième niveau</a:t>
             </a:r>
           </a:p>
           <a:p>
             <a:pPr lvl="4"/>
             <a:r>
-              <a:rPr lang="fr-FR" noProof="0" smtClean="0"/>
+              <a:rPr lang="fr-FR" noProof="0"/>
               <a:t>Cinquième niveau</a:t>
             </a:r>
           </a:p>
@@ -935,10 +935,9 @@
           <a:lstStyle/>
           <a:p>
             <a:r>
-              <a:rPr lang="fr-FR" smtClean="0"/>
+              <a:rPr lang="fr-FR"/>
               <a:t>Cliquez pour modifier le style du titre</a:t>
             </a:r>
-            <a:endParaRPr lang="fr-FR"/>
           </a:p>
         </p:txBody>
       </p:sp>
@@ -1000,10 +999,9 @@
           </a:lstStyle>
           <a:p>
             <a:r>
-              <a:rPr lang="fr-FR" smtClean="0"/>
+              <a:rPr lang="fr-FR"/>
               <a:t>Cliquez pour modifier le style des sous-titres du masque</a:t>
             </a:r>
-            <a:endParaRPr lang="fr-FR"/>
           </a:p>
         </p:txBody>
       </p:sp>
@@ -1058,10 +1056,9 @@
           <a:lstStyle/>
           <a:p>
             <a:r>
-              <a:rPr lang="fr-FR" smtClean="0"/>
+              <a:rPr lang="fr-FR"/>
               <a:t>Cliquez pour modifier le style du titre</a:t>
             </a:r>
-            <a:endParaRPr lang="fr-FR"/>
           </a:p>
         </p:txBody>
       </p:sp>
@@ -1087,38 +1084,37 @@
           <a:p>
             <a:pPr lvl="0"/>
             <a:r>
-              <a:rPr lang="fr-FR" smtClean="0"/>
+              <a:rPr lang="fr-FR"/>
               <a:t>Cliquez pour modifier les styles du texte du masque</a:t>
             </a:r>
           </a:p>
           <a:p>
             <a:pPr lvl="1"/>
             <a:r>
-              <a:rPr lang="fr-FR" smtClean="0"/>
+              <a:rPr lang="fr-FR"/>
               <a:t>Deuxième niveau</a:t>
             </a:r>
           </a:p>
           <a:p>
             <a:pPr lvl="2"/>
             <a:r>
-              <a:rPr lang="fr-FR" smtClean="0"/>
+              <a:rPr lang="fr-FR"/>
               <a:t>Troisième niveau</a:t>
             </a:r>
           </a:p>
           <a:p>
             <a:pPr lvl="3"/>
             <a:r>
-              <a:rPr lang="fr-FR" smtClean="0"/>
+              <a:rPr lang="fr-FR"/>
               <a:t>Quatrième niveau</a:t>
             </a:r>
           </a:p>
           <a:p>
             <a:pPr lvl="4"/>
             <a:r>
-              <a:rPr lang="fr-FR" smtClean="0"/>
+              <a:rPr lang="fr-FR"/>
               <a:t>Cinquième niveau</a:t>
             </a:r>
-            <a:endParaRPr lang="fr-FR"/>
           </a:p>
         </p:txBody>
       </p:sp>
@@ -1177,10 +1173,9 @@
           </a:lstStyle>
           <a:p>
             <a:r>
-              <a:rPr lang="fr-FR" dirty="0" smtClean="0"/>
+              <a:rPr lang="fr-FR" dirty="0"/>
               <a:t>Cliquez pour modifier le style du titre</a:t>
             </a:r>
-            <a:endParaRPr lang="fr-FR" dirty="0"/>
           </a:p>
         </p:txBody>
       </p:sp>
@@ -1206,38 +1201,37 @@
           <a:p>
             <a:pPr lvl="0"/>
             <a:r>
-              <a:rPr lang="fr-FR" dirty="0" smtClean="0"/>
+              <a:rPr lang="fr-FR" dirty="0"/>
               <a:t>Cliquez pour modifier les styles du texte du masque</a:t>
             </a:r>
           </a:p>
           <a:p>
             <a:pPr lvl="1"/>
             <a:r>
-              <a:rPr lang="fr-FR" dirty="0" smtClean="0"/>
+              <a:rPr lang="fr-FR" dirty="0"/>
               <a:t>Deuxième niveau</a:t>
             </a:r>
           </a:p>
           <a:p>
             <a:pPr lvl="2"/>
             <a:r>
-              <a:rPr lang="fr-FR" dirty="0" smtClean="0"/>
+              <a:rPr lang="fr-FR" dirty="0"/>
               <a:t>Troisième niveau</a:t>
             </a:r>
           </a:p>
           <a:p>
             <a:pPr lvl="3"/>
             <a:r>
-              <a:rPr lang="fr-FR" dirty="0" smtClean="0"/>
+              <a:rPr lang="fr-FR" dirty="0"/>
               <a:t>Quatrième niveau</a:t>
             </a:r>
           </a:p>
           <a:p>
             <a:pPr lvl="4"/>
             <a:r>
-              <a:rPr lang="fr-FR" dirty="0" smtClean="0"/>
+              <a:rPr lang="fr-FR" dirty="0"/>
               <a:t>Cinquième niveau</a:t>
             </a:r>
-            <a:endParaRPr lang="fr-FR" dirty="0"/>
           </a:p>
         </p:txBody>
       </p:sp>
@@ -1287,10 +1281,9 @@
           <a:lstStyle/>
           <a:p>
             <a:r>
-              <a:rPr lang="fr-FR" smtClean="0"/>
+              <a:rPr lang="fr-FR"/>
               <a:t>Cliquez pour modifier le style du titre</a:t>
             </a:r>
-            <a:endParaRPr lang="fr-FR"/>
           </a:p>
         </p:txBody>
       </p:sp>
@@ -1344,38 +1337,37 @@
           <a:p>
             <a:pPr lvl="0"/>
             <a:r>
-              <a:rPr lang="fr-FR" smtClean="0"/>
+              <a:rPr lang="fr-FR"/>
               <a:t>Cliquez pour modifier les styles du texte du masque</a:t>
             </a:r>
           </a:p>
           <a:p>
             <a:pPr lvl="1"/>
             <a:r>
-              <a:rPr lang="fr-FR" smtClean="0"/>
+              <a:rPr lang="fr-FR"/>
               <a:t>Deuxième niveau</a:t>
             </a:r>
           </a:p>
           <a:p>
             <a:pPr lvl="2"/>
             <a:r>
-              <a:rPr lang="fr-FR" smtClean="0"/>
+              <a:rPr lang="fr-FR"/>
               <a:t>Troisième niveau</a:t>
             </a:r>
           </a:p>
           <a:p>
             <a:pPr lvl="3"/>
             <a:r>
-              <a:rPr lang="fr-FR" smtClean="0"/>
+              <a:rPr lang="fr-FR"/>
               <a:t>Quatrième niveau</a:t>
             </a:r>
           </a:p>
           <a:p>
             <a:pPr lvl="4"/>
             <a:r>
-              <a:rPr lang="fr-FR" smtClean="0"/>
+              <a:rPr lang="fr-FR"/>
               <a:t>Cinquième niveau</a:t>
             </a:r>
-            <a:endParaRPr lang="fr-FR"/>
           </a:p>
         </p:txBody>
       </p:sp>
@@ -1429,38 +1421,37 @@
           <a:p>
             <a:pPr lvl="0"/>
             <a:r>
-              <a:rPr lang="fr-FR" smtClean="0"/>
+              <a:rPr lang="fr-FR"/>
               <a:t>Cliquez pour modifier les styles du texte du masque</a:t>
             </a:r>
           </a:p>
           <a:p>
             <a:pPr lvl="1"/>
             <a:r>
-              <a:rPr lang="fr-FR" smtClean="0"/>
+              <a:rPr lang="fr-FR"/>
               <a:t>Deuxième niveau</a:t>
             </a:r>
           </a:p>
           <a:p>
             <a:pPr lvl="2"/>
             <a:r>
-              <a:rPr lang="fr-FR" smtClean="0"/>
+              <a:rPr lang="fr-FR"/>
               <a:t>Troisième niveau</a:t>
             </a:r>
           </a:p>
           <a:p>
             <a:pPr lvl="3"/>
             <a:r>
-              <a:rPr lang="fr-FR" smtClean="0"/>
+              <a:rPr lang="fr-FR"/>
               <a:t>Quatrième niveau</a:t>
             </a:r>
           </a:p>
           <a:p>
             <a:pPr lvl="4"/>
             <a:r>
-              <a:rPr lang="fr-FR" smtClean="0"/>
+              <a:rPr lang="fr-FR"/>
               <a:t>Cinquième niveau</a:t>
             </a:r>
-            <a:endParaRPr lang="fr-FR"/>
           </a:p>
         </p:txBody>
       </p:sp>
@@ -1519,10 +1510,9 @@
           </a:lstStyle>
           <a:p>
             <a:r>
-              <a:rPr lang="fr-FR" smtClean="0"/>
+              <a:rPr lang="fr-FR"/>
               <a:t>Cliquez pour modifier le style du titre</a:t>
             </a:r>
-            <a:endParaRPr lang="fr-FR"/>
           </a:p>
         </p:txBody>
       </p:sp>
@@ -1585,7 +1575,7 @@
           <a:p>
             <a:pPr lvl="0"/>
             <a:r>
-              <a:rPr lang="fr-FR" smtClean="0"/>
+              <a:rPr lang="fr-FR"/>
               <a:t>Cliquez pour modifier les styles du texte du masque</a:t>
             </a:r>
           </a:p>
@@ -1641,38 +1631,37 @@
           <a:p>
             <a:pPr lvl="0"/>
             <a:r>
-              <a:rPr lang="fr-FR" smtClean="0"/>
+              <a:rPr lang="fr-FR"/>
               <a:t>Cliquez pour modifier les styles du texte du masque</a:t>
             </a:r>
           </a:p>
           <a:p>
             <a:pPr lvl="1"/>
             <a:r>
-              <a:rPr lang="fr-FR" smtClean="0"/>
+              <a:rPr lang="fr-FR"/>
               <a:t>Deuxième niveau</a:t>
             </a:r>
           </a:p>
           <a:p>
             <a:pPr lvl="2"/>
             <a:r>
-              <a:rPr lang="fr-FR" smtClean="0"/>
+              <a:rPr lang="fr-FR"/>
               <a:t>Troisième niveau</a:t>
             </a:r>
           </a:p>
           <a:p>
             <a:pPr lvl="3"/>
             <a:r>
-              <a:rPr lang="fr-FR" smtClean="0"/>
+              <a:rPr lang="fr-FR"/>
               <a:t>Quatrième niveau</a:t>
             </a:r>
           </a:p>
           <a:p>
             <a:pPr lvl="4"/>
             <a:r>
-              <a:rPr lang="fr-FR" smtClean="0"/>
+              <a:rPr lang="fr-FR"/>
               <a:t>Cinquième niveau</a:t>
             </a:r>
-            <a:endParaRPr lang="fr-FR"/>
           </a:p>
         </p:txBody>
       </p:sp>
@@ -1735,7 +1724,7 @@
           <a:p>
             <a:pPr lvl="0"/>
             <a:r>
-              <a:rPr lang="fr-FR" smtClean="0"/>
+              <a:rPr lang="fr-FR"/>
               <a:t>Cliquez pour modifier les styles du texte du masque</a:t>
             </a:r>
           </a:p>
@@ -1791,38 +1780,37 @@
           <a:p>
             <a:pPr lvl="0"/>
             <a:r>
-              <a:rPr lang="fr-FR" smtClean="0"/>
+              <a:rPr lang="fr-FR"/>
               <a:t>Cliquez pour modifier les styles du texte du masque</a:t>
             </a:r>
           </a:p>
           <a:p>
             <a:pPr lvl="1"/>
             <a:r>
-              <a:rPr lang="fr-FR" smtClean="0"/>
+              <a:rPr lang="fr-FR"/>
               <a:t>Deuxième niveau</a:t>
             </a:r>
           </a:p>
           <a:p>
             <a:pPr lvl="2"/>
             <a:r>
-              <a:rPr lang="fr-FR" smtClean="0"/>
+              <a:rPr lang="fr-FR"/>
               <a:t>Troisième niveau</a:t>
             </a:r>
           </a:p>
           <a:p>
             <a:pPr lvl="3"/>
             <a:r>
-              <a:rPr lang="fr-FR" smtClean="0"/>
+              <a:rPr lang="fr-FR"/>
               <a:t>Quatrième niveau</a:t>
             </a:r>
           </a:p>
           <a:p>
             <a:pPr lvl="4"/>
             <a:r>
-              <a:rPr lang="fr-FR" smtClean="0"/>
+              <a:rPr lang="fr-FR"/>
               <a:t>Cinquième niveau</a:t>
             </a:r>
-            <a:endParaRPr lang="fr-FR"/>
           </a:p>
         </p:txBody>
       </p:sp>
@@ -1872,10 +1860,9 @@
           <a:lstStyle/>
           <a:p>
             <a:r>
-              <a:rPr lang="fr-FR" smtClean="0"/>
+              <a:rPr lang="fr-FR"/>
               <a:t>Cliquez pour modifier le style du titre</a:t>
             </a:r>
-            <a:endParaRPr lang="fr-FR"/>
           </a:p>
         </p:txBody>
       </p:sp>
@@ -1964,10 +1951,9 @@
           </a:lstStyle>
           <a:p>
             <a:r>
-              <a:rPr lang="fr-FR" smtClean="0"/>
+              <a:rPr lang="fr-FR"/>
               <a:t>Cliquez pour modifier le style du titre</a:t>
             </a:r>
-            <a:endParaRPr lang="fr-FR"/>
           </a:p>
         </p:txBody>
       </p:sp>
@@ -2021,38 +2007,37 @@
           <a:p>
             <a:pPr lvl="0"/>
             <a:r>
-              <a:rPr lang="fr-FR" smtClean="0"/>
+              <a:rPr lang="fr-FR"/>
               <a:t>Cliquez pour modifier les styles du texte du masque</a:t>
             </a:r>
           </a:p>
           <a:p>
             <a:pPr lvl="1"/>
             <a:r>
-              <a:rPr lang="fr-FR" smtClean="0"/>
+              <a:rPr lang="fr-FR"/>
               <a:t>Deuxième niveau</a:t>
             </a:r>
           </a:p>
           <a:p>
             <a:pPr lvl="2"/>
             <a:r>
-              <a:rPr lang="fr-FR" smtClean="0"/>
+              <a:rPr lang="fr-FR"/>
               <a:t>Troisième niveau</a:t>
             </a:r>
           </a:p>
           <a:p>
             <a:pPr lvl="3"/>
             <a:r>
-              <a:rPr lang="fr-FR" smtClean="0"/>
+              <a:rPr lang="fr-FR"/>
               <a:t>Quatrième niveau</a:t>
             </a:r>
           </a:p>
           <a:p>
             <a:pPr lvl="4"/>
             <a:r>
-              <a:rPr lang="fr-FR" smtClean="0"/>
+              <a:rPr lang="fr-FR"/>
               <a:t>Cinquième niveau</a:t>
             </a:r>
-            <a:endParaRPr lang="fr-FR"/>
           </a:p>
         </p:txBody>
       </p:sp>
@@ -2115,7 +2100,7 @@
           <a:p>
             <a:pPr lvl="0"/>
             <a:r>
-              <a:rPr lang="fr-FR" smtClean="0"/>
+              <a:rPr lang="fr-FR"/>
               <a:t>Cliquez pour modifier les styles du texte du masque</a:t>
             </a:r>
           </a:p>
@@ -2176,10 +2161,9 @@
           </a:lstStyle>
           <a:p>
             <a:r>
-              <a:rPr lang="fr-FR" smtClean="0"/>
+              <a:rPr lang="fr-FR"/>
               <a:t>Cliquez pour modifier le style du titre</a:t>
             </a:r>
-            <a:endParaRPr lang="fr-FR"/>
           </a:p>
         </p:txBody>
       </p:sp>
@@ -2241,7 +2225,7 @@
           </a:lstStyle>
           <a:p>
             <a:pPr lvl="0"/>
-            <a:endParaRPr lang="fr-FR" noProof="0" smtClean="0"/>
+            <a:endParaRPr lang="fr-FR" noProof="0"/>
           </a:p>
         </p:txBody>
       </p:sp>
@@ -2304,7 +2288,7 @@
           <a:p>
             <a:pPr lvl="0"/>
             <a:r>
-              <a:rPr lang="fr-FR" smtClean="0"/>
+              <a:rPr lang="fr-FR"/>
               <a:t>Cliquez pour modifier les styles du texte du masque</a:t>
             </a:r>
           </a:p>
@@ -2356,10 +2340,9 @@
           <a:lstStyle/>
           <a:p>
             <a:r>
-              <a:rPr lang="fr-FR" smtClean="0"/>
+              <a:rPr lang="fr-FR"/>
               <a:t>Cliquez pour modifier le style du titre</a:t>
             </a:r>
-            <a:endParaRPr lang="fr-FR"/>
           </a:p>
         </p:txBody>
       </p:sp>
@@ -2380,38 +2363,37 @@
           <a:p>
             <a:pPr lvl="0"/>
             <a:r>
-              <a:rPr lang="fr-FR" smtClean="0"/>
+              <a:rPr lang="fr-FR"/>
               <a:t>Cliquez pour modifier les styles du texte du masque</a:t>
             </a:r>
           </a:p>
           <a:p>
             <a:pPr lvl="1"/>
             <a:r>
-              <a:rPr lang="fr-FR" smtClean="0"/>
+              <a:rPr lang="fr-FR"/>
               <a:t>Deuxième niveau</a:t>
             </a:r>
           </a:p>
           <a:p>
             <a:pPr lvl="2"/>
             <a:r>
-              <a:rPr lang="fr-FR" smtClean="0"/>
+              <a:rPr lang="fr-FR"/>
               <a:t>Troisième niveau</a:t>
             </a:r>
           </a:p>
           <a:p>
             <a:pPr lvl="3"/>
             <a:r>
-              <a:rPr lang="fr-FR" smtClean="0"/>
+              <a:rPr lang="fr-FR"/>
               <a:t>Quatrième niveau</a:t>
             </a:r>
           </a:p>
           <a:p>
             <a:pPr lvl="4"/>
             <a:r>
-              <a:rPr lang="fr-FR" smtClean="0"/>
+              <a:rPr lang="fr-FR"/>
               <a:t>Cinquième niveau</a:t>
             </a:r>
-            <a:endParaRPr lang="fr-FR"/>
           </a:p>
         </p:txBody>
       </p:sp>
@@ -2592,7 +2574,7 @@
             <a:pPr eaLnBrk="1" hangingPunct="1">
               <a:defRPr/>
             </a:pPr>
-            <a:endParaRPr lang="fr-FR" altLang="fr-FR" smtClean="0"/>
+            <a:endParaRPr lang="fr-FR" altLang="fr-FR"/>
           </a:p>
         </p:txBody>
       </p:sp>
@@ -2746,7 +2728,7 @@
               <a:defRPr/>
             </a:pPr>
             <a:r>
-              <a:rPr lang="fr-FR" sz="1200" dirty="0" smtClean="0"/>
+              <a:rPr lang="fr-FR" sz="1200" dirty="0"/>
               <a:t>Page </a:t>
             </a:r>
             <a:fld id="{E218E9B1-FD08-4C80-902E-210BA2967D0D}" type="slidenum">
@@ -2759,7 +2741,7 @@
               </a:pPr>
               <a:t>‹N°›</a:t>
             </a:fld>
-            <a:endParaRPr lang="fr-FR" dirty="0" smtClean="0">
+            <a:endParaRPr lang="fr-FR" dirty="0">
               <a:latin typeface="Times New Roman" pitchFamily="18" charset="0"/>
             </a:endParaRPr>
           </a:p>
@@ -2915,10 +2897,10 @@
               <a:defRPr/>
             </a:pPr>
             <a:r>
-              <a:rPr lang="fr-FR" sz="1600" dirty="0" err="1" smtClean="0"/>
+              <a:rPr lang="fr-FR" sz="1600" dirty="0" err="1"/>
               <a:t>Angular</a:t>
             </a:r>
-            <a:endParaRPr lang="fr-FR" dirty="0" smtClean="0">
+            <a:endParaRPr lang="fr-FR" dirty="0">
               <a:latin typeface="Times New Roman" pitchFamily="18" charset="0"/>
             </a:endParaRPr>
           </a:p>
@@ -2976,7 +2958,7 @@
           <a:p>
             <a:pPr lvl="0"/>
             <a:r>
-              <a:rPr lang="fr-FR" altLang="fr-FR" smtClean="0"/>
+              <a:rPr lang="fr-FR" altLang="fr-FR"/>
               <a:t>Cliquez pour modifier le style du titre du masque</a:t>
             </a:r>
           </a:p>
@@ -3034,35 +3016,35 @@
           <a:p>
             <a:pPr lvl="0"/>
             <a:r>
-              <a:rPr lang="fr-FR" altLang="fr-FR" smtClean="0"/>
+              <a:rPr lang="fr-FR" altLang="fr-FR"/>
               <a:t>Cliquez pour modifier les styles du texte du masque</a:t>
             </a:r>
           </a:p>
           <a:p>
             <a:pPr lvl="1"/>
             <a:r>
-              <a:rPr lang="fr-FR" altLang="fr-FR" smtClean="0"/>
+              <a:rPr lang="fr-FR" altLang="fr-FR"/>
               <a:t>Deuxième niveau</a:t>
             </a:r>
           </a:p>
           <a:p>
             <a:pPr lvl="2"/>
             <a:r>
-              <a:rPr lang="fr-FR" altLang="fr-FR" smtClean="0"/>
+              <a:rPr lang="fr-FR" altLang="fr-FR"/>
               <a:t>Troisième niveau</a:t>
             </a:r>
           </a:p>
           <a:p>
             <a:pPr lvl="3"/>
             <a:r>
-              <a:rPr lang="fr-FR" altLang="fr-FR" smtClean="0"/>
+              <a:rPr lang="fr-FR" altLang="fr-FR"/>
               <a:t>Quatrième niveau</a:t>
             </a:r>
           </a:p>
           <a:p>
             <a:pPr lvl="4"/>
             <a:r>
-              <a:rPr lang="fr-FR" altLang="fr-FR" smtClean="0"/>
+              <a:rPr lang="fr-FR" altLang="fr-FR"/>
               <a:t>Cinquième niveau</a:t>
             </a:r>
           </a:p>
@@ -3218,10 +3200,10 @@
               <a:defRPr/>
             </a:pPr>
             <a:r>
-              <a:rPr lang="fr-FR" sz="1200" smtClean="0"/>
+              <a:rPr lang="fr-FR" sz="1200"/>
               <a:t>© Cyril Vincent Conseil</a:t>
             </a:r>
-            <a:endParaRPr lang="fr-FR" smtClean="0">
+            <a:endParaRPr lang="fr-FR">
               <a:latin typeface="Times New Roman" pitchFamily="18" charset="0"/>
             </a:endParaRPr>
           </a:p>
@@ -3703,18 +3685,18 @@
           <a:p>
             <a:pPr eaLnBrk="1" hangingPunct="1"/>
             <a:r>
-              <a:rPr lang="fr-FR" altLang="fr-FR" smtClean="0"/>
+              <a:rPr lang="fr-FR" altLang="fr-FR"/>
               <a:t>Chapitre 15</a:t>
             </a:r>
-            <a:endParaRPr lang="fr-FR" altLang="fr-FR" dirty="0" smtClean="0"/>
+            <a:endParaRPr lang="fr-FR" altLang="fr-FR" dirty="0"/>
           </a:p>
           <a:p>
             <a:pPr eaLnBrk="1" hangingPunct="1"/>
             <a:r>
-              <a:rPr lang="fr-FR" altLang="fr-FR" dirty="0" err="1" smtClean="0"/>
+              <a:rPr lang="fr-FR" altLang="fr-FR" dirty="0" err="1"/>
               <a:t>Routing</a:t>
             </a:r>
-            <a:endParaRPr lang="fr-FR" altLang="fr-FR" dirty="0" smtClean="0"/>
+            <a:endParaRPr lang="fr-FR" altLang="fr-FR" dirty="0"/>
           </a:p>
         </p:txBody>
       </p:sp>
@@ -3934,10 +3916,10 @@
           <a:p>
             <a:pPr eaLnBrk="1" hangingPunct="1"/>
             <a:r>
-              <a:rPr lang="fr-FR" altLang="fr-FR" sz="4000" kern="0" dirty="0" err="1" smtClean="0"/>
+              <a:rPr lang="fr-FR" altLang="fr-FR" sz="4000" kern="0" dirty="0" err="1"/>
               <a:t>ngular</a:t>
             </a:r>
-            <a:endParaRPr lang="fr-FR" altLang="fr-FR" sz="4000" kern="0" dirty="0" smtClean="0"/>
+            <a:endParaRPr lang="fr-FR" altLang="fr-FR" sz="4000" kern="0" dirty="0"/>
           </a:p>
         </p:txBody>
       </p:sp>
@@ -3946,13 +3928,6 @@
   <p:clrMapOvr>
     <a:masterClrMapping/>
   </p:clrMapOvr>
-  <p:timing>
-    <p:tnLst>
-      <p:par>
-        <p:cTn id="1" dur="indefinite" restart="never" nodeType="tmRoot"/>
-      </p:par>
-    </p:tnLst>
-  </p:timing>
 </p:sld>
 </file>
 
@@ -3989,10 +3964,9 @@
           <a:lstStyle/>
           <a:p>
             <a:r>
-              <a:rPr lang="fr-FR" dirty="0" smtClean="0"/>
+              <a:rPr lang="fr-FR" dirty="0"/>
               <a:t>Ajout de la route</a:t>
             </a:r>
-            <a:endParaRPr lang="fr-FR" dirty="0"/>
           </a:p>
         </p:txBody>
       </p:sp>
@@ -4011,15 +3985,24 @@
           <a:bodyPr/>
           <a:lstStyle/>
           <a:p>
-            <a:r>
-              <a:rPr lang="fr-FR" dirty="0" smtClean="0"/>
+            <a:endParaRPr lang="fr-FR" dirty="0"/>
+          </a:p>
+          <a:p>
+            <a:endParaRPr lang="fr-FR" dirty="0"/>
+          </a:p>
+          <a:p>
+            <a:endParaRPr lang="fr-FR" dirty="0"/>
+          </a:p>
+          <a:p>
+            <a:r>
+              <a:rPr lang="fr-FR" dirty="0"/>
               <a:t>Ajout de la route</a:t>
             </a:r>
           </a:p>
           <a:p>
             <a:pPr lvl="1"/>
             <a:r>
-              <a:rPr lang="fr-FR" dirty="0" smtClean="0"/>
+              <a:rPr lang="fr-FR" dirty="0"/>
               <a:t>{ </a:t>
             </a:r>
             <a:r>
@@ -4044,11 +4027,7 @@
             </a:r>
             <a:r>
               <a:rPr lang="fr-FR" dirty="0"/>
-              <a:t> </a:t>
-            </a:r>
-            <a:r>
-              <a:rPr lang="fr-FR" dirty="0" smtClean="0"/>
-              <a:t>}</a:t>
+              <a:t> }</a:t>
             </a:r>
           </a:p>
           <a:p>
@@ -4056,32 +4035,16 @@
             <a:endParaRPr lang="fr-FR" dirty="0"/>
           </a:p>
           <a:p>
+            <a:r>
+              <a:rPr lang="fr-FR" dirty="0"/>
+              <a:t>Route par défaut</a:t>
+            </a:r>
+          </a:p>
+          <a:p>
             <a:pPr lvl="1"/>
-            <a:endParaRPr lang="fr-FR" dirty="0" smtClean="0"/>
-          </a:p>
-          <a:p>
-            <a:pPr lvl="1"/>
-            <a:endParaRPr lang="fr-FR" dirty="0"/>
-          </a:p>
-          <a:p>
-            <a:pPr lvl="1"/>
-            <a:endParaRPr lang="fr-FR" dirty="0" smtClean="0"/>
-          </a:p>
-          <a:p>
-            <a:r>
-              <a:rPr lang="fr-FR" dirty="0" smtClean="0"/>
-              <a:t>Route par défaut</a:t>
-            </a:r>
-          </a:p>
-          <a:p>
-            <a:pPr lvl="1"/>
             <a:r>
               <a:rPr lang="en-US" dirty="0"/>
-              <a:t>{ path: </a:t>
-            </a:r>
-            <a:r>
-              <a:rPr lang="en-US" dirty="0" smtClean="0"/>
-              <a:t>'"", </a:t>
+              <a:t>{ path: '"", </a:t>
             </a:r>
             <a:r>
               <a:rPr lang="en-US" dirty="0" err="1"/>
@@ -4119,7 +4082,7 @@
         </p:blipFill>
         <p:spPr>
           <a:xfrm>
-            <a:off x="278061" y="2708920"/>
+            <a:off x="198437" y="1156209"/>
             <a:ext cx="8568952" cy="1224136"/>
           </a:xfrm>
           <a:prstGeom prst="rect">
@@ -4137,13 +4100,6 @@
   <p:clrMapOvr>
     <a:masterClrMapping/>
   </p:clrMapOvr>
-  <p:timing>
-    <p:tnLst>
-      <p:par>
-        <p:cTn id="1" dur="indefinite" restart="never" nodeType="tmRoot"/>
-      </p:par>
-    </p:tnLst>
-  </p:timing>
 </p:sld>
 </file>
 
@@ -4180,11 +4136,11 @@
           <a:lstStyle/>
           <a:p>
             <a:r>
-              <a:rPr lang="fr-FR" dirty="0" smtClean="0"/>
+              <a:rPr lang="fr-FR" dirty="0"/>
               <a:t>Ajout des </a:t>
             </a:r>
             <a:r>
-              <a:rPr lang="fr-FR" dirty="0" err="1" smtClean="0"/>
+              <a:rPr lang="fr-FR" dirty="0" err="1"/>
               <a:t>URLs</a:t>
             </a:r>
             <a:endParaRPr lang="fr-FR" dirty="0"/>
@@ -4207,26 +4163,25 @@
           <a:lstStyle/>
           <a:p>
             <a:r>
-              <a:rPr lang="fr-FR" dirty="0" smtClean="0"/>
+              <a:rPr lang="fr-FR" dirty="0"/>
               <a:t>&lt;a </a:t>
             </a:r>
             <a:r>
-              <a:rPr lang="fr-FR" dirty="0" err="1" smtClean="0"/>
+              <a:rPr lang="fr-FR" dirty="0" err="1"/>
               <a:t>routerLink</a:t>
             </a:r>
             <a:r>
-              <a:rPr lang="fr-FR" dirty="0" smtClean="0"/>
+              <a:rPr lang="fr-FR" dirty="0"/>
               <a:t>=""&gt; va générer un &lt;a </a:t>
             </a:r>
             <a:r>
-              <a:rPr lang="fr-FR" dirty="0" err="1" smtClean="0"/>
+              <a:rPr lang="fr-FR" dirty="0" err="1"/>
               <a:t>href</a:t>
             </a:r>
             <a:r>
-              <a:rPr lang="fr-FR" dirty="0" smtClean="0"/>
+              <a:rPr lang="fr-FR" dirty="0"/>
               <a:t>&gt; vers une route en mode SPA</a:t>
             </a:r>
-            <a:endParaRPr lang="fr-FR" dirty="0"/>
           </a:p>
         </p:txBody>
       </p:sp>
@@ -4264,13 +4219,6 @@
   <p:clrMapOvr>
     <a:masterClrMapping/>
   </p:clrMapOvr>
-  <p:timing>
-    <p:tnLst>
-      <p:par>
-        <p:cTn id="1" dur="indefinite" restart="never" nodeType="tmRoot"/>
-      </p:par>
-    </p:tnLst>
-  </p:timing>
 </p:sld>
 </file>
 
@@ -4307,10 +4255,9 @@
           <a:lstStyle/>
           <a:p>
             <a:r>
-              <a:rPr lang="fr-FR" dirty="0" smtClean="0"/>
+              <a:rPr lang="fr-FR" dirty="0"/>
               <a:t>Routage paramétrés</a:t>
             </a:r>
-            <a:endParaRPr lang="fr-FR" dirty="0"/>
           </a:p>
         </p:txBody>
       </p:sp>
@@ -4330,14 +4277,14 @@
           <a:lstStyle/>
           <a:p>
             <a:r>
-              <a:rPr lang="fr-FR" dirty="0" smtClean="0"/>
+              <a:rPr lang="fr-FR" dirty="0"/>
               <a:t>Il est possible d'avoir des routes paramétrées</a:t>
             </a:r>
           </a:p>
           <a:p>
             <a:pPr lvl="1"/>
             <a:r>
-              <a:rPr lang="fr-FR" dirty="0" smtClean="0"/>
+              <a:rPr lang="fr-FR" dirty="0"/>
               <a:t>Opérateur :</a:t>
             </a:r>
           </a:p>
@@ -4353,51 +4300,46 @@
             </a:r>
             <a:r>
               <a:rPr lang="en-US" dirty="0"/>
+              <a:t> },</a:t>
+            </a:r>
+          </a:p>
+          <a:p>
+            <a:pPr lvl="1"/>
+            <a:r>
+              <a:rPr lang="en-US" dirty="0" err="1"/>
+              <a:t>Obtient</a:t>
+            </a:r>
+            <a:r>
+              <a:rPr lang="en-US" dirty="0"/>
               <a:t> </a:t>
             </a:r>
             <a:r>
-              <a:rPr lang="en-US" dirty="0" smtClean="0"/>
-              <a:t>},</a:t>
+              <a:rPr lang="en-US" dirty="0" err="1"/>
+              <a:t>une</a:t>
+            </a:r>
+            <a:r>
+              <a:rPr lang="en-US" dirty="0"/>
+              <a:t> URL du genre </a:t>
+            </a:r>
+            <a:r>
+              <a:rPr lang="fr-FR" dirty="0"/>
+              <a:t>~/</a:t>
+            </a:r>
+            <a:r>
+              <a:rPr lang="fr-FR" dirty="0" err="1"/>
+              <a:t>detail</a:t>
+            </a:r>
+            <a:r>
+              <a:rPr lang="fr-FR" dirty="0"/>
+              <a:t>/11</a:t>
             </a:r>
           </a:p>
           <a:p>
             <a:pPr lvl="1"/>
             <a:r>
-              <a:rPr lang="en-US" dirty="0" err="1" smtClean="0"/>
-              <a:t>Obtient</a:t>
-            </a:r>
-            <a:r>
-              <a:rPr lang="en-US" dirty="0" smtClean="0"/>
-              <a:t> </a:t>
-            </a:r>
-            <a:r>
-              <a:rPr lang="en-US" dirty="0" err="1" smtClean="0"/>
-              <a:t>une</a:t>
-            </a:r>
-            <a:r>
-              <a:rPr lang="en-US" dirty="0" smtClean="0"/>
-              <a:t> URL du genre </a:t>
-            </a:r>
-            <a:r>
-              <a:rPr lang="fr-FR" dirty="0"/>
-              <a:t>~/</a:t>
-            </a:r>
-            <a:r>
-              <a:rPr lang="fr-FR" dirty="0" err="1" smtClean="0"/>
-              <a:t>detail</a:t>
-            </a:r>
-            <a:r>
-              <a:rPr lang="fr-FR" dirty="0" smtClean="0"/>
-              <a:t>/11</a:t>
-            </a:r>
-          </a:p>
-          <a:p>
-            <a:pPr lvl="1"/>
-            <a:r>
-              <a:rPr lang="fr-FR" dirty="0" smtClean="0"/>
+              <a:rPr lang="fr-FR" dirty="0"/>
               <a:t>Nous obtenons alors la table de routage finale</a:t>
             </a:r>
-            <a:endParaRPr lang="fr-FR" dirty="0"/>
           </a:p>
         </p:txBody>
       </p:sp>
@@ -4435,13 +4377,6 @@
   <p:clrMapOvr>
     <a:masterClrMapping/>
   </p:clrMapOvr>
-  <p:timing>
-    <p:tnLst>
-      <p:par>
-        <p:cTn id="1" dur="indefinite" restart="never" nodeType="tmRoot"/>
-      </p:par>
-    </p:tnLst>
-  </p:timing>
 </p:sld>
 </file>
 
@@ -4478,10 +4413,9 @@
           <a:lstStyle/>
           <a:p>
             <a:r>
-              <a:rPr lang="fr-FR" dirty="0" smtClean="0"/>
+              <a:rPr lang="fr-FR" dirty="0"/>
               <a:t>Composants routables</a:t>
             </a:r>
-            <a:endParaRPr lang="fr-FR" dirty="0"/>
           </a:p>
         </p:txBody>
       </p:sp>
@@ -4501,72 +4435,64 @@
           <a:lstStyle/>
           <a:p>
             <a:r>
-              <a:rPr lang="fr-FR" dirty="0" smtClean="0"/>
+              <a:rPr lang="fr-FR" dirty="0"/>
               <a:t>Un composant routable est un composant dépendant de la route</a:t>
             </a:r>
           </a:p>
           <a:p>
             <a:pPr lvl="1"/>
             <a:r>
-              <a:rPr lang="fr-FR" dirty="0" smtClean="0"/>
+              <a:rPr lang="fr-FR" dirty="0"/>
               <a:t>Par exemple </a:t>
             </a:r>
             <a:r>
-              <a:rPr lang="fr-FR" dirty="0" err="1" smtClean="0"/>
+              <a:rPr lang="fr-FR" dirty="0" err="1"/>
               <a:t>hero-detail</a:t>
             </a:r>
             <a:r>
-              <a:rPr lang="fr-FR" dirty="0" smtClean="0"/>
+              <a:rPr lang="fr-FR" dirty="0"/>
               <a:t> a besoin de connaitre l'id de l'URL</a:t>
             </a:r>
           </a:p>
           <a:p>
             <a:pPr lvl="1"/>
             <a:r>
-              <a:rPr lang="fr-FR" dirty="0" smtClean="0"/>
+              <a:rPr lang="fr-FR" dirty="0"/>
               <a:t>Injection de la route</a:t>
             </a:r>
           </a:p>
           <a:p>
             <a:r>
-              <a:rPr lang="fr-FR" dirty="0" smtClean="0"/>
-              <a:t>Location</a:t>
-            </a:r>
-            <a:r>
-              <a:rPr lang="fr-FR" dirty="0"/>
-              <a:t> </a:t>
-            </a:r>
-            <a:r>
-              <a:rPr lang="fr-FR" dirty="0" smtClean="0"/>
-              <a:t>est une classe qui permet de </a:t>
-            </a:r>
-            <a:r>
-              <a:rPr lang="fr-FR" dirty="0" err="1" smtClean="0"/>
+              <a:rPr lang="fr-FR" dirty="0"/>
+              <a:t>Location est une classe qui permet de </a:t>
+            </a:r>
+            <a:r>
+              <a:rPr lang="fr-FR" dirty="0" err="1"/>
               <a:t>parser</a:t>
             </a:r>
             <a:r>
-              <a:rPr lang="fr-FR" dirty="0" smtClean="0"/>
+              <a:rPr lang="fr-FR" dirty="0"/>
               <a:t> facilement les </a:t>
             </a:r>
             <a:r>
-              <a:rPr lang="fr-FR" dirty="0" err="1" smtClean="0"/>
+              <a:rPr lang="fr-FR" dirty="0" err="1"/>
               <a:t>URLs</a:t>
             </a:r>
             <a:r>
-              <a:rPr lang="fr-FR" dirty="0" smtClean="0"/>
+              <a:rPr lang="fr-FR" dirty="0"/>
               <a:t> des routes</a:t>
             </a:r>
           </a:p>
           <a:p>
             <a:pPr lvl="1"/>
             <a:r>
-              <a:rPr lang="fr-FR" dirty="0" smtClean="0"/>
+              <a:rPr lang="fr-FR" dirty="0"/>
               <a:t>A injecter</a:t>
             </a:r>
           </a:p>
           <a:p>
             <a:pPr lvl="1"/>
-            <a:endParaRPr lang="fr-FR" dirty="0" smtClean="0"/>
+            <a:endParaRPr lang="fr-FR" dirty="0"/>
           </a:p>
         </p:txBody>
       </p:sp>
@@ -4628,13 +4554,6 @@
   <p:clrMapOvr>
     <a:masterClrMapping/>
   </p:clrMapOvr>
-  <p:timing>
-    <p:tnLst>
-      <p:par>
-        <p:cTn id="1" dur="indefinite" restart="never" nodeType="tmRoot"/>
-      </p:par>
-    </p:tnLst>
-  </p:timing>
 </p:sld>
 </file>
 
@@ -4671,10 +4590,9 @@
           <a:lstStyle/>
           <a:p>
             <a:r>
-              <a:rPr lang="fr-FR" dirty="0" smtClean="0"/>
+              <a:rPr lang="fr-FR" dirty="0"/>
               <a:t>Obtention du paramètre d'URL</a:t>
             </a:r>
-            <a:endParaRPr lang="fr-FR" dirty="0"/>
           </a:p>
         </p:txBody>
       </p:sp>
@@ -4693,47 +4611,46 @@
           <a:bodyPr/>
           <a:lstStyle/>
           <a:p>
-            <a:endParaRPr lang="fr-FR" dirty="0" smtClean="0"/>
-          </a:p>
-          <a:p>
             <a:endParaRPr lang="fr-FR" dirty="0"/>
           </a:p>
           <a:p>
-            <a:endParaRPr lang="fr-FR" dirty="0" smtClean="0"/>
-          </a:p>
-          <a:p>
             <a:endParaRPr lang="fr-FR" dirty="0"/>
           </a:p>
           <a:p>
-            <a:endParaRPr lang="fr-FR" dirty="0" smtClean="0"/>
-          </a:p>
-          <a:p>
             <a:endParaRPr lang="fr-FR" dirty="0"/>
           </a:p>
           <a:p>
-            <a:endParaRPr lang="fr-FR" dirty="0" smtClean="0"/>
-          </a:p>
-          <a:p>
             <a:endParaRPr lang="fr-FR" dirty="0"/>
           </a:p>
           <a:p>
-            <a:r>
-              <a:rPr lang="fr-FR" dirty="0" smtClean="0"/>
+            <a:endParaRPr lang="fr-FR" dirty="0"/>
+          </a:p>
+          <a:p>
+            <a:endParaRPr lang="fr-FR" dirty="0"/>
+          </a:p>
+          <a:p>
+            <a:endParaRPr lang="fr-FR" dirty="0"/>
+          </a:p>
+          <a:p>
+            <a:endParaRPr lang="fr-FR" dirty="0"/>
+          </a:p>
+          <a:p>
+            <a:r>
+              <a:rPr lang="fr-FR" dirty="0"/>
               <a:t>Le signe + permet de </a:t>
             </a:r>
             <a:r>
-              <a:rPr lang="fr-FR" dirty="0" err="1" smtClean="0"/>
+              <a:rPr lang="fr-FR" dirty="0" err="1"/>
               <a:t>caster</a:t>
             </a:r>
             <a:r>
-              <a:rPr lang="fr-FR" dirty="0" smtClean="0"/>
+              <a:rPr lang="fr-FR" dirty="0"/>
               <a:t> en </a:t>
             </a:r>
             <a:r>
-              <a:rPr lang="fr-FR" smtClean="0"/>
+              <a:rPr lang="fr-FR"/>
               <a:t>number</a:t>
             </a:r>
-            <a:endParaRPr lang="fr-FR"/>
           </a:p>
         </p:txBody>
       </p:sp>
@@ -4771,13 +4688,6 @@
   <p:clrMapOvr>
     <a:masterClrMapping/>
   </p:clrMapOvr>
-  <p:timing>
-    <p:tnLst>
-      <p:par>
-        <p:cTn id="1" dur="indefinite" restart="never" nodeType="tmRoot"/>
-      </p:par>
-    </p:tnLst>
-  </p:timing>
 </p:sld>
 </file>
 
@@ -4814,10 +4724,9 @@
           <a:lstStyle/>
           <a:p>
             <a:r>
-              <a:rPr lang="fr-FR" dirty="0" smtClean="0"/>
+              <a:rPr lang="fr-FR" dirty="0"/>
               <a:t>MAJ du service</a:t>
             </a:r>
-            <a:endParaRPr lang="fr-FR" dirty="0"/>
           </a:p>
         </p:txBody>
       </p:sp>
@@ -4837,7 +4746,7 @@
           <a:lstStyle/>
           <a:p>
             <a:r>
-              <a:rPr lang="fr-FR" dirty="0" smtClean="0"/>
+              <a:rPr lang="fr-FR" dirty="0"/>
               <a:t>Il suffit d'ajouter une méthode dans le service</a:t>
             </a:r>
           </a:p>
@@ -4845,25 +4754,21 @@
             <a:endParaRPr lang="fr-FR" dirty="0"/>
           </a:p>
           <a:p>
-            <a:endParaRPr lang="fr-FR" dirty="0" smtClean="0"/>
-          </a:p>
-          <a:p>
             <a:endParaRPr lang="fr-FR" dirty="0"/>
           </a:p>
           <a:p>
-            <a:endParaRPr lang="fr-FR" dirty="0" smtClean="0"/>
-          </a:p>
-          <a:p>
             <a:endParaRPr lang="fr-FR" dirty="0"/>
           </a:p>
           <a:p>
-            <a:r>
-              <a:rPr lang="fr-FR" dirty="0" smtClean="0"/>
-              <a:t>Testons alors l'URL </a:t>
-            </a:r>
-            <a:r>
-              <a:rPr lang="fr-FR" dirty="0"/>
-              <a:t>localhost:4200/</a:t>
+            <a:endParaRPr lang="fr-FR" dirty="0"/>
+          </a:p>
+          <a:p>
+            <a:endParaRPr lang="fr-FR" dirty="0"/>
+          </a:p>
+          <a:p>
+            <a:r>
+              <a:rPr lang="fr-FR" dirty="0"/>
+              <a:t>Testons alors l'URL localhost:4200/</a:t>
             </a:r>
             <a:r>
               <a:rPr lang="fr-FR" dirty="0" err="1"/>
@@ -4910,13 +4815,6 @@
   <p:clrMapOvr>
     <a:masterClrMapping/>
   </p:clrMapOvr>
-  <p:timing>
-    <p:tnLst>
-      <p:par>
-        <p:cTn id="1" dur="indefinite" restart="never" nodeType="tmRoot"/>
-      </p:par>
-    </p:tnLst>
-  </p:timing>
 </p:sld>
 </file>
 
@@ -4953,10 +4851,9 @@
           <a:lstStyle/>
           <a:p>
             <a:r>
-              <a:rPr lang="fr-FR" dirty="0" smtClean="0"/>
+              <a:rPr lang="fr-FR" dirty="0"/>
               <a:t>Bouton back</a:t>
             </a:r>
-            <a:endParaRPr lang="fr-FR" dirty="0"/>
           </a:p>
         </p:txBody>
       </p:sp>
@@ -4976,7 +4873,7 @@
           <a:lstStyle/>
           <a:p>
             <a:r>
-              <a:rPr lang="fr-FR" dirty="0" smtClean="0"/>
+              <a:rPr lang="fr-FR" dirty="0"/>
               <a:t>Pour implémenter un bouton back</a:t>
             </a:r>
           </a:p>
@@ -4984,19 +4881,15 @@
             <a:pPr marL="457200" lvl="1" indent="0">
               <a:buNone/>
             </a:pPr>
-            <a:endParaRPr lang="en-US" dirty="0" smtClean="0"/>
+            <a:endParaRPr lang="en-US" dirty="0"/>
           </a:p>
           <a:p>
             <a:pPr marL="457200" lvl="1" indent="0">
               <a:buNone/>
             </a:pPr>
             <a:r>
-              <a:rPr lang="en-US" dirty="0" smtClean="0"/>
-              <a:t>&lt;</a:t>
-            </a:r>
-            <a:r>
               <a:rPr lang="en-US" dirty="0"/>
-              <a:t>button (click)="</a:t>
+              <a:t>&lt;button (click)="</a:t>
             </a:r>
             <a:r>
               <a:rPr lang="en-US" dirty="0" err="1"/>
@@ -5004,18 +4897,14 @@
             </a:r>
             <a:r>
               <a:rPr lang="en-US" dirty="0"/>
-              <a:t>()"&gt;go back&lt;/button</a:t>
-            </a:r>
-            <a:r>
-              <a:rPr lang="en-US" dirty="0" smtClean="0"/>
-              <a:t>&gt;</a:t>
+              <a:t>()"&gt;go back&lt;/button&gt;</a:t>
             </a:r>
           </a:p>
           <a:p>
             <a:pPr marL="457200" lvl="1" indent="0">
               <a:buNone/>
             </a:pPr>
-            <a:endParaRPr lang="en-US" dirty="0" smtClean="0"/>
+            <a:endParaRPr lang="en-US" dirty="0"/>
           </a:p>
           <a:p>
             <a:pPr marL="457200" lvl="1" indent="0">
@@ -5076,13 +4965,6 @@
   <p:clrMapOvr>
     <a:masterClrMapping/>
   </p:clrMapOvr>
-  <p:timing>
-    <p:tnLst>
-      <p:par>
-        <p:cTn id="1" dur="indefinite" restart="never" nodeType="tmRoot"/>
-      </p:par>
-    </p:tnLst>
-  </p:timing>
 </p:sld>
 </file>
 
@@ -5119,10 +5001,9 @@
           <a:lstStyle/>
           <a:p>
             <a:r>
-              <a:rPr lang="fr-FR" dirty="0" smtClean="0"/>
+              <a:rPr lang="fr-FR" dirty="0"/>
               <a:t>Routage</a:t>
             </a:r>
-            <a:endParaRPr lang="fr-FR" dirty="0"/>
           </a:p>
         </p:txBody>
       </p:sp>
@@ -5142,45 +5023,45 @@
           <a:lstStyle/>
           <a:p>
             <a:r>
-              <a:rPr lang="fr-FR" dirty="0" smtClean="0"/>
+              <a:rPr lang="fr-FR" dirty="0"/>
               <a:t>Quand l'application grossit il peut être nécessaire de fractionner le site</a:t>
             </a:r>
           </a:p>
           <a:p>
             <a:r>
-              <a:rPr lang="fr-FR" dirty="0" smtClean="0"/>
+              <a:rPr lang="fr-FR" dirty="0"/>
               <a:t>Le routage permet de définir des nouveaux routages d'URL</a:t>
             </a:r>
           </a:p>
           <a:p>
             <a:r>
-              <a:rPr lang="fr-FR" dirty="0" smtClean="0"/>
+              <a:rPr lang="fr-FR" dirty="0"/>
               <a:t>Les applications modernes sont dites SPA</a:t>
             </a:r>
           </a:p>
           <a:p>
             <a:pPr lvl="1"/>
             <a:r>
-              <a:rPr lang="fr-FR" dirty="0" smtClean="0"/>
+              <a:rPr lang="fr-FR" dirty="0"/>
               <a:t>Single Page Application</a:t>
             </a:r>
           </a:p>
           <a:p>
             <a:pPr lvl="1"/>
             <a:r>
-              <a:rPr lang="fr-FR" dirty="0" smtClean="0"/>
+              <a:rPr lang="fr-FR" dirty="0"/>
               <a:t>Une seul page, un seule URL mais</a:t>
             </a:r>
           </a:p>
           <a:p>
             <a:pPr lvl="1"/>
             <a:r>
-              <a:rPr lang="fr-FR" dirty="0" smtClean="0"/>
+              <a:rPr lang="fr-FR" dirty="0"/>
               <a:t>plusieurs vues</a:t>
             </a:r>
           </a:p>
           <a:p>
-            <a:endParaRPr lang="fr-FR" dirty="0" smtClean="0"/>
+            <a:endParaRPr lang="fr-FR" dirty="0"/>
           </a:p>
           <a:p>
             <a:endParaRPr lang="fr-FR" dirty="0"/>
@@ -5197,13 +5078,6 @@
   <p:clrMapOvr>
     <a:masterClrMapping/>
   </p:clrMapOvr>
-  <p:timing>
-    <p:tnLst>
-      <p:par>
-        <p:cTn id="1" dur="indefinite" restart="never" nodeType="tmRoot"/>
-      </p:par>
-    </p:tnLst>
-  </p:timing>
 </p:sld>
 </file>
 
@@ -5240,10 +5114,9 @@
           <a:lstStyle/>
           <a:p>
             <a:r>
-              <a:rPr lang="fr-FR" dirty="0" smtClean="0"/>
+              <a:rPr lang="fr-FR" dirty="0"/>
               <a:t>But de la démo</a:t>
             </a:r>
-            <a:endParaRPr lang="fr-FR" dirty="0"/>
           </a:p>
         </p:txBody>
       </p:sp>
@@ -5317,13 +5190,6 @@
   <p:clrMapOvr>
     <a:masterClrMapping/>
   </p:clrMapOvr>
-  <p:timing>
-    <p:tnLst>
-      <p:par>
-        <p:cTn id="1" dur="indefinite" restart="never" nodeType="tmRoot"/>
-      </p:par>
-    </p:tnLst>
-  </p:timing>
 </p:sld>
 </file>
 
@@ -5360,7 +5226,7 @@
           <a:lstStyle/>
           <a:p>
             <a:r>
-              <a:rPr lang="fr-FR" dirty="0" err="1" smtClean="0"/>
+              <a:rPr lang="fr-FR" dirty="0" err="1"/>
               <a:t>Routing</a:t>
             </a:r>
             <a:endParaRPr lang="fr-FR" dirty="0"/>
@@ -5383,7 +5249,7 @@
           <a:lstStyle/>
           <a:p>
             <a:r>
-              <a:rPr lang="fr-FR" dirty="0" smtClean="0"/>
+              <a:rPr lang="fr-FR" dirty="0"/>
               <a:t>La bonne pratique est de configurer le routage dans un module séparé puis de l'importer</a:t>
             </a:r>
           </a:p>
@@ -5411,53 +5277,49 @@
             </a:r>
             <a:r>
               <a:rPr lang="fr-FR" dirty="0"/>
-              <a:t> --flat --</a:t>
-            </a:r>
-            <a:r>
-              <a:rPr lang="fr-FR" dirty="0" smtClean="0"/>
-              <a:t>module=</a:t>
-            </a:r>
-            <a:r>
-              <a:rPr lang="fr-FR" dirty="0" err="1" smtClean="0"/>
+              <a:t> --flat --module=</a:t>
+            </a:r>
+            <a:r>
+              <a:rPr lang="fr-FR" dirty="0" err="1"/>
               <a:t>app</a:t>
             </a:r>
-            <a:endParaRPr lang="fr-FR" dirty="0" smtClean="0"/>
+            <a:endParaRPr lang="fr-FR" dirty="0"/>
           </a:p>
           <a:p>
             <a:pPr lvl="1"/>
             <a:r>
-              <a:rPr lang="fr-FR" dirty="0" smtClean="0"/>
+              <a:rPr lang="fr-FR" dirty="0"/>
               <a:t>flat indique que le module est directement dans </a:t>
             </a:r>
             <a:r>
-              <a:rPr lang="fr-FR" dirty="0" err="1" smtClean="0"/>
+              <a:rPr lang="fr-FR" dirty="0" err="1"/>
               <a:t>src</a:t>
             </a:r>
             <a:r>
-              <a:rPr lang="fr-FR" dirty="0" smtClean="0"/>
+              <a:rPr lang="fr-FR" dirty="0"/>
               <a:t>/</a:t>
             </a:r>
             <a:r>
-              <a:rPr lang="fr-FR" dirty="0" err="1" smtClean="0"/>
+              <a:rPr lang="fr-FR" dirty="0" err="1"/>
               <a:t>app</a:t>
             </a:r>
-            <a:endParaRPr lang="fr-FR" dirty="0" smtClean="0"/>
+            <a:endParaRPr lang="fr-FR" dirty="0"/>
           </a:p>
           <a:p>
             <a:pPr lvl="1"/>
             <a:r>
-              <a:rPr lang="fr-FR" dirty="0" smtClean="0"/>
+              <a:rPr lang="fr-FR" dirty="0"/>
               <a:t>module indique à CLI de l'enregistrer dans </a:t>
             </a:r>
             <a:r>
-              <a:rPr lang="fr-FR" dirty="0" err="1" smtClean="0"/>
+              <a:rPr lang="fr-FR" dirty="0" err="1"/>
               <a:t>AppModule</a:t>
             </a:r>
-            <a:endParaRPr lang="fr-FR" dirty="0" smtClean="0"/>
-          </a:p>
-          <a:p>
-            <a:r>
-              <a:rPr lang="fr-FR" dirty="0" smtClean="0"/>
+            <a:endParaRPr lang="fr-FR" dirty="0"/>
+          </a:p>
+          <a:p>
+            <a:r>
+              <a:rPr lang="fr-FR" dirty="0"/>
               <a:t>Import</a:t>
             </a:r>
           </a:p>
@@ -5489,38 +5351,34 @@
             </a:r>
             <a:r>
               <a:rPr lang="fr-FR" dirty="0"/>
-              <a:t>/router</a:t>
-            </a:r>
-            <a:r>
-              <a:rPr lang="fr-FR" dirty="0" smtClean="0"/>
-              <a:t>';</a:t>
-            </a:r>
-          </a:p>
-          <a:p>
-            <a:r>
-              <a:rPr lang="fr-FR" dirty="0" smtClean="0"/>
+              <a:t>/router';</a:t>
+            </a:r>
+          </a:p>
+          <a:p>
+            <a:r>
+              <a:rPr lang="fr-FR" dirty="0"/>
               <a:t>Export</a:t>
             </a:r>
           </a:p>
           <a:p>
             <a:pPr lvl="1"/>
             <a:r>
-              <a:rPr lang="fr-FR" dirty="0" smtClean="0"/>
+              <a:rPr lang="fr-FR" dirty="0"/>
               <a:t>Evite un import </a:t>
             </a:r>
             <a:r>
-              <a:rPr lang="fr-FR" dirty="0" err="1" smtClean="0"/>
+              <a:rPr lang="fr-FR" dirty="0" err="1"/>
               <a:t>RouterModule</a:t>
             </a:r>
             <a:r>
-              <a:rPr lang="fr-FR" dirty="0" smtClean="0"/>
+              <a:rPr lang="fr-FR" dirty="0"/>
               <a:t> depuis </a:t>
             </a:r>
             <a:r>
-              <a:rPr lang="fr-FR" dirty="0" err="1" smtClean="0"/>
+              <a:rPr lang="fr-FR" dirty="0" err="1"/>
               <a:t>AppModule</a:t>
             </a:r>
-            <a:endParaRPr lang="fr-FR" dirty="0" smtClean="0"/>
+            <a:endParaRPr lang="fr-FR" dirty="0"/>
           </a:p>
           <a:p>
             <a:pPr marL="457200" lvl="1" indent="0">
@@ -5577,13 +5435,6 @@
   <p:clrMapOvr>
     <a:masterClrMapping/>
   </p:clrMapOvr>
-  <p:timing>
-    <p:tnLst>
-      <p:par>
-        <p:cTn id="1" dur="indefinite" restart="never" nodeType="tmRoot"/>
-      </p:par>
-    </p:tnLst>
-  </p:timing>
 </p:sld>
 </file>
 
@@ -5620,7 +5471,7 @@
           <a:lstStyle/>
           <a:p>
             <a:r>
-              <a:rPr lang="fr-FR" dirty="0" err="1" smtClean="0"/>
+              <a:rPr lang="fr-FR" dirty="0" err="1"/>
               <a:t>Routing</a:t>
             </a:r>
             <a:endParaRPr lang="fr-FR" dirty="0"/>
@@ -5643,19 +5494,19 @@
           <a:lstStyle/>
           <a:p>
             <a:r>
-              <a:rPr lang="fr-FR" dirty="0" smtClean="0"/>
+              <a:rPr lang="fr-FR" dirty="0"/>
               <a:t>Code initial du </a:t>
             </a:r>
             <a:r>
-              <a:rPr lang="fr-FR" dirty="0" err="1" smtClean="0"/>
+              <a:rPr lang="fr-FR" dirty="0" err="1"/>
               <a:t>routing</a:t>
             </a:r>
-            <a:endParaRPr lang="fr-FR" dirty="0" smtClean="0"/>
+            <a:endParaRPr lang="fr-FR" dirty="0"/>
           </a:p>
           <a:p>
             <a:pPr lvl="1"/>
             <a:r>
-              <a:rPr lang="fr-FR" dirty="0" smtClean="0"/>
+              <a:rPr lang="fr-FR" dirty="0"/>
               <a:t>Certaines commandes inutiles ont été effacées</a:t>
             </a:r>
           </a:p>
@@ -5699,13 +5550,6 @@
   <p:clrMapOvr>
     <a:masterClrMapping/>
   </p:clrMapOvr>
-  <p:timing>
-    <p:tnLst>
-      <p:par>
-        <p:cTn id="1" dur="indefinite" restart="never" nodeType="tmRoot"/>
-      </p:par>
-    </p:tnLst>
-  </p:timing>
 </p:sld>
 </file>
 
@@ -5742,10 +5586,9 @@
           <a:lstStyle/>
           <a:p>
             <a:r>
-              <a:rPr lang="fr-FR" dirty="0" smtClean="0"/>
+              <a:rPr lang="fr-FR" dirty="0"/>
               <a:t>Route</a:t>
             </a:r>
-            <a:endParaRPr lang="fr-FR" dirty="0"/>
           </a:p>
         </p:txBody>
       </p:sp>
@@ -5765,7 +5608,7 @@
           <a:lstStyle/>
           <a:p>
             <a:r>
-              <a:rPr lang="fr-FR" dirty="0" smtClean="0"/>
+              <a:rPr lang="fr-FR" dirty="0"/>
               <a:t>Une route est une URL fictive qui va associer un chemin à un composant</a:t>
             </a:r>
           </a:p>
@@ -5773,13 +5616,13 @@
             <a:endParaRPr lang="fr-FR" dirty="0"/>
           </a:p>
           <a:p>
-            <a:endParaRPr lang="fr-FR" dirty="0" smtClean="0"/>
-          </a:p>
-          <a:p>
             <a:endParaRPr lang="fr-FR" dirty="0"/>
           </a:p>
           <a:p>
-            <a:endParaRPr lang="fr-FR" dirty="0" smtClean="0"/>
+            <a:endParaRPr lang="fr-FR" dirty="0"/>
+          </a:p>
+          <a:p>
+            <a:endParaRPr lang="fr-FR" dirty="0"/>
           </a:p>
           <a:p>
             <a:endParaRPr lang="fr-FR" dirty="0"/>
@@ -5820,13 +5663,6 @@
   <p:clrMapOvr>
     <a:masterClrMapping/>
   </p:clrMapOvr>
-  <p:timing>
-    <p:tnLst>
-      <p:par>
-        <p:cTn id="1" dur="indefinite" restart="never" nodeType="tmRoot"/>
-      </p:par>
-    </p:tnLst>
-  </p:timing>
 </p:sld>
 </file>
 
@@ -5863,10 +5699,9 @@
           <a:lstStyle/>
           <a:p>
             <a:r>
-              <a:rPr lang="fr-FR" dirty="0" smtClean="0"/>
+              <a:rPr lang="fr-FR" dirty="0"/>
               <a:t>Démarrage du routage</a:t>
             </a:r>
-            <a:endParaRPr lang="fr-FR" dirty="0"/>
           </a:p>
         </p:txBody>
       </p:sp>
@@ -5886,52 +5721,48 @@
           <a:lstStyle/>
           <a:p>
             <a:r>
-              <a:rPr lang="fr-FR" dirty="0" smtClean="0"/>
+              <a:rPr lang="fr-FR" dirty="0"/>
               <a:t>Après démarrage du routage localhost:4200/</a:t>
             </a:r>
             <a:r>
-              <a:rPr lang="fr-FR" dirty="0" err="1" smtClean="0"/>
+              <a:rPr lang="fr-FR" dirty="0" err="1"/>
               <a:t>heroes</a:t>
             </a:r>
             <a:r>
-              <a:rPr lang="fr-FR" dirty="0" smtClean="0"/>
-              <a:t> routera </a:t>
-            </a:r>
-            <a:r>
-              <a:rPr lang="fr-FR" dirty="0"/>
-              <a:t>sur le composant </a:t>
-            </a:r>
-            <a:r>
-              <a:rPr lang="fr-FR" dirty="0" err="1" smtClean="0"/>
+              <a:rPr lang="fr-FR" dirty="0"/>
+              <a:t> routera sur le composant </a:t>
+            </a:r>
+            <a:r>
+              <a:rPr lang="fr-FR" dirty="0" err="1"/>
               <a:t>heroes</a:t>
             </a:r>
-            <a:endParaRPr lang="fr-FR" dirty="0" smtClean="0"/>
-          </a:p>
-          <a:p>
-            <a:r>
-              <a:rPr lang="fr-FR" dirty="0" smtClean="0"/>
+            <a:endParaRPr lang="fr-FR" dirty="0"/>
+          </a:p>
+          <a:p>
+            <a:r>
+              <a:rPr lang="fr-FR" dirty="0"/>
               <a:t>La méthode </a:t>
             </a:r>
             <a:r>
-              <a:rPr lang="fr-FR" dirty="0" err="1" smtClean="0"/>
+              <a:rPr lang="fr-FR" dirty="0" err="1"/>
               <a:t>forRoot</a:t>
             </a:r>
             <a:r>
-              <a:rPr lang="fr-FR" dirty="0" smtClean="0"/>
+              <a:rPr lang="fr-FR" dirty="0"/>
               <a:t> démarre les routes</a:t>
             </a:r>
           </a:p>
           <a:p>
             <a:pPr lvl="1"/>
             <a:r>
-              <a:rPr lang="fr-FR" dirty="0" smtClean="0"/>
+              <a:rPr lang="fr-FR" dirty="0"/>
               <a:t>A ajouter directement dans l'imports de </a:t>
             </a:r>
             <a:r>
-              <a:rPr lang="fr-FR" dirty="0" err="1" smtClean="0"/>
+              <a:rPr lang="fr-FR" dirty="0" err="1"/>
               <a:t>AppRouting</a:t>
             </a:r>
-            <a:endParaRPr lang="fr-FR" dirty="0" smtClean="0"/>
+            <a:endParaRPr lang="fr-FR" dirty="0"/>
           </a:p>
           <a:p>
             <a:endParaRPr lang="fr-FR" dirty="0"/>
@@ -5975,13 +5806,6 @@
   <p:clrMapOvr>
     <a:masterClrMapping/>
   </p:clrMapOvr>
-  <p:timing>
-    <p:tnLst>
-      <p:par>
-        <p:cTn id="1" dur="indefinite" restart="never" nodeType="tmRoot"/>
-      </p:par>
-    </p:tnLst>
-  </p:timing>
 </p:sld>
 </file>
 
@@ -6018,10 +5842,9 @@
           <a:lstStyle/>
           <a:p>
             <a:r>
-              <a:rPr lang="fr-FR" dirty="0" smtClean="0"/>
+              <a:rPr lang="fr-FR" dirty="0"/>
               <a:t>Utilisation du routage</a:t>
             </a:r>
-            <a:endParaRPr lang="fr-FR" dirty="0"/>
           </a:p>
         </p:txBody>
       </p:sp>
@@ -6041,29 +5864,29 @@
           <a:lstStyle/>
           <a:p>
             <a:r>
-              <a:rPr lang="fr-FR" dirty="0" smtClean="0"/>
+              <a:rPr lang="fr-FR" dirty="0"/>
               <a:t>Une route non </a:t>
             </a:r>
             <a:r>
-              <a:rPr lang="fr-FR" dirty="0" err="1" smtClean="0"/>
+              <a:rPr lang="fr-FR" dirty="0" err="1"/>
               <a:t>root</a:t>
             </a:r>
             <a:r>
-              <a:rPr lang="fr-FR" dirty="0" smtClean="0"/>
+              <a:rPr lang="fr-FR" dirty="0"/>
               <a:t> ne peut pas être appelée directement depuis une URL</a:t>
             </a:r>
           </a:p>
           <a:p>
             <a:pPr lvl="1"/>
             <a:r>
-              <a:rPr lang="fr-FR" dirty="0" smtClean="0"/>
+              <a:rPr lang="fr-FR" dirty="0"/>
               <a:t>Il faut passer par la directive</a:t>
             </a:r>
           </a:p>
           <a:p>
             <a:pPr lvl="1"/>
             <a:r>
-              <a:rPr lang="fr-FR" dirty="0" smtClean="0"/>
+              <a:rPr lang="fr-FR" dirty="0"/>
               <a:t>Nous allons donc créer un nouveau composant</a:t>
             </a:r>
           </a:p>
@@ -6086,18 +5909,18 @@
               <a:t> component </a:t>
             </a:r>
             <a:r>
-              <a:rPr lang="fr-FR" dirty="0" err="1" smtClean="0"/>
+              <a:rPr lang="fr-FR" dirty="0" err="1"/>
               <a:t>dashboard</a:t>
             </a:r>
-            <a:endParaRPr lang="fr-FR" dirty="0" smtClean="0"/>
+            <a:endParaRPr lang="fr-FR" dirty="0"/>
           </a:p>
           <a:p>
             <a:pPr lvl="1"/>
-            <a:endParaRPr lang="fr-FR" dirty="0" smtClean="0"/>
+            <a:endParaRPr lang="fr-FR" dirty="0"/>
           </a:p>
           <a:p>
             <a:pPr lvl="1"/>
-            <a:endParaRPr lang="fr-FR" dirty="0" smtClean="0"/>
+            <a:endParaRPr lang="fr-FR" dirty="0"/>
           </a:p>
           <a:p>
             <a:endParaRPr lang="fr-FR" dirty="0"/>
@@ -6114,13 +5937,6 @@
   <p:clrMapOvr>
     <a:masterClrMapping/>
   </p:clrMapOvr>
-  <p:timing>
-    <p:tnLst>
-      <p:par>
-        <p:cTn id="1" dur="indefinite" restart="never" nodeType="tmRoot"/>
-      </p:par>
-    </p:tnLst>
-  </p:timing>
 </p:sld>
 </file>
 
@@ -6157,10 +5973,9 @@
           <a:lstStyle/>
           <a:p>
             <a:r>
-              <a:rPr lang="fr-FR" dirty="0" smtClean="0"/>
+              <a:rPr lang="fr-FR" dirty="0"/>
               <a:t>Code</a:t>
             </a:r>
-            <a:endParaRPr lang="fr-FR" dirty="0"/>
           </a:p>
         </p:txBody>
       </p:sp>
@@ -6181,13 +5996,8 @@
           <a:p>
             <a:r>
               <a:rPr lang="fr-FR" dirty="0"/>
-              <a:t>R</a:t>
-            </a:r>
-            <a:r>
-              <a:rPr lang="fr-FR" dirty="0" smtClean="0"/>
-              <a:t>emarquez la méthode slice</a:t>
-            </a:r>
-            <a:endParaRPr lang="fr-FR" dirty="0"/>
+              <a:t>Remarquez la méthode slice</a:t>
+            </a:r>
           </a:p>
         </p:txBody>
       </p:sp>
@@ -6249,13 +6059,6 @@
   <p:clrMapOvr>
     <a:masterClrMapping/>
   </p:clrMapOvr>
-  <p:timing>
-    <p:tnLst>
-      <p:par>
-        <p:cTn id="1" dur="indefinite" restart="never" nodeType="tmRoot"/>
-      </p:par>
-    </p:tnLst>
-  </p:timing>
 </p:sld>
 </file>
 

--- a/PPT/Angular15-Routing.pptx
+++ b/PPT/Angular15-Routing.pptx
@@ -5,10 +5,10 @@
     <p:sldMasterId id="2147483653" r:id="rId1"/>
   </p:sldMasterIdLst>
   <p:notesMasterIdLst>
-    <p:notesMasterId r:id="rId18"/>
+    <p:notesMasterId r:id="rId19"/>
   </p:notesMasterIdLst>
   <p:handoutMasterIdLst>
-    <p:handoutMasterId r:id="rId19"/>
+    <p:handoutMasterId r:id="rId20"/>
   </p:handoutMasterIdLst>
   <p:sldIdLst>
     <p:sldId id="264" r:id="rId2"/>
@@ -27,6 +27,7 @@
     <p:sldId id="285" r:id="rId15"/>
     <p:sldId id="286" r:id="rId16"/>
     <p:sldId id="287" r:id="rId17"/>
+    <p:sldId id="288" r:id="rId18"/>
   </p:sldIdLst>
   <p:sldSz cx="9144000" cy="6858000" type="screen4x3"/>
   <p:notesSz cx="6648450" cy="9782175"/>
@@ -4959,6 +4960,122 @@
     <p:extLst>
       <p:ext uri="{BB962C8B-B14F-4D97-AF65-F5344CB8AC3E}">
         <p14:creationId xmlns:p14="http://schemas.microsoft.com/office/powerpoint/2010/main" val="89760979"/>
+      </p:ext>
+    </p:extLst>
+  </p:cSld>
+  <p:clrMapOvr>
+    <a:masterClrMapping/>
+  </p:clrMapOvr>
+</p:sld>
+</file>
+
+<file path=ppt/slides/slide17.xml><?xml version="1.0" encoding="utf-8"?>
+<p:sld xmlns:a="http://schemas.openxmlformats.org/drawingml/2006/main" xmlns:r="http://schemas.openxmlformats.org/officeDocument/2006/relationships" xmlns:p="http://schemas.openxmlformats.org/presentationml/2006/main">
+  <p:cSld>
+    <p:spTree>
+      <p:nvGrpSpPr>
+        <p:cNvPr id="1" name=""/>
+        <p:cNvGrpSpPr/>
+        <p:nvPr/>
+      </p:nvGrpSpPr>
+      <p:grpSpPr>
+        <a:xfrm>
+          <a:off x="0" y="0"/>
+          <a:ext cx="0" cy="0"/>
+          <a:chOff x="0" y="0"/>
+          <a:chExt cx="0" cy="0"/>
+        </a:xfrm>
+      </p:grpSpPr>
+      <p:sp>
+        <p:nvSpPr>
+          <p:cNvPr id="2" name="Titre 1">
+            <a:extLst>
+              <a:ext uri="{FF2B5EF4-FFF2-40B4-BE49-F238E27FC236}">
+                <a16:creationId xmlns:a16="http://schemas.microsoft.com/office/drawing/2014/main" id="{24C09AE3-2A92-44A5-AF3E-975BE7136475}"/>
+              </a:ext>
+            </a:extLst>
+          </p:cNvPr>
+          <p:cNvSpPr>
+            <a:spLocks noGrp="1"/>
+          </p:cNvSpPr>
+          <p:nvPr>
+            <p:ph type="title"/>
+          </p:nvPr>
+        </p:nvSpPr>
+        <p:spPr/>
+        <p:txBody>
+          <a:bodyPr/>
+          <a:lstStyle/>
+          <a:p>
+            <a:r>
+              <a:rPr lang="fr-FR" dirty="0"/>
+              <a:t>Navigation</a:t>
+            </a:r>
+          </a:p>
+        </p:txBody>
+      </p:sp>
+      <p:sp>
+        <p:nvSpPr>
+          <p:cNvPr id="3" name="Espace réservé du contenu 2">
+            <a:extLst>
+              <a:ext uri="{FF2B5EF4-FFF2-40B4-BE49-F238E27FC236}">
+                <a16:creationId xmlns:a16="http://schemas.microsoft.com/office/drawing/2014/main" id="{139E9C8C-A9B0-4174-8307-988683F11215}"/>
+              </a:ext>
+            </a:extLst>
+          </p:cNvPr>
+          <p:cNvSpPr>
+            <a:spLocks noGrp="1"/>
+          </p:cNvSpPr>
+          <p:nvPr>
+            <p:ph idx="1"/>
+          </p:nvPr>
+        </p:nvSpPr>
+        <p:spPr/>
+        <p:txBody>
+          <a:bodyPr/>
+          <a:lstStyle/>
+          <a:p>
+            <a:r>
+              <a:rPr lang="fr-FR" dirty="0"/>
+              <a:t>Service Router</a:t>
+            </a:r>
+          </a:p>
+          <a:p>
+            <a:pPr lvl="1"/>
+            <a:r>
+              <a:rPr lang="fr-FR" dirty="0"/>
+              <a:t>A injecter</a:t>
+            </a:r>
+          </a:p>
+          <a:p>
+            <a:pPr lvl="1"/>
+            <a:r>
+              <a:rPr lang="fr-FR"/>
+              <a:t>router</a:t>
+            </a:r>
+            <a:r>
+              <a:rPr lang="fr-FR" dirty="0" err="1"/>
+              <a:t>.navigate</a:t>
+            </a:r>
+            <a:r>
+              <a:rPr lang="fr-FR" dirty="0"/>
+              <a:t>(['/</a:t>
+            </a:r>
+            <a:r>
+              <a:rPr lang="fr-FR" dirty="0" err="1"/>
+              <a:t>games</a:t>
+            </a:r>
+            <a:r>
+              <a:rPr lang="fr-FR" dirty="0"/>
+              <a:t>'])</a:t>
+            </a:r>
+          </a:p>
+        </p:txBody>
+      </p:sp>
+    </p:spTree>
+    <p:extLst>
+      <p:ext uri="{BB962C8B-B14F-4D97-AF65-F5344CB8AC3E}">
+        <p14:creationId xmlns:p14="http://schemas.microsoft.com/office/powerpoint/2010/main" val="1006406313"/>
       </p:ext>
     </p:extLst>
   </p:cSld>

--- a/PPT/Angular15-Routing.pptx
+++ b/PPT/Angular15-Routing.pptx
@@ -5,10 +5,10 @@
     <p:sldMasterId id="2147483653" r:id="rId1"/>
   </p:sldMasterIdLst>
   <p:notesMasterIdLst>
-    <p:notesMasterId r:id="rId19"/>
+    <p:notesMasterId r:id="rId21"/>
   </p:notesMasterIdLst>
   <p:handoutMasterIdLst>
-    <p:handoutMasterId r:id="rId20"/>
+    <p:handoutMasterId r:id="rId22"/>
   </p:handoutMasterIdLst>
   <p:sldIdLst>
     <p:sldId id="264" r:id="rId2"/>
@@ -28,6 +28,8 @@
     <p:sldId id="286" r:id="rId16"/>
     <p:sldId id="287" r:id="rId17"/>
     <p:sldId id="288" r:id="rId18"/>
+    <p:sldId id="289" r:id="rId19"/>
+    <p:sldId id="290" r:id="rId20"/>
   </p:sldIdLst>
   <p:sldSz cx="9144000" cy="6858000" type="screen4x3"/>
   <p:notesSz cx="6648450" cy="9782175"/>
@@ -5085,6 +5087,323 @@
 </p:sld>
 </file>
 
+<file path=ppt/slides/slide18.xml><?xml version="1.0" encoding="utf-8"?>
+<p:sld xmlns:a="http://schemas.openxmlformats.org/drawingml/2006/main" xmlns:r="http://schemas.openxmlformats.org/officeDocument/2006/relationships" xmlns:p="http://schemas.openxmlformats.org/presentationml/2006/main">
+  <p:cSld>
+    <p:spTree>
+      <p:nvGrpSpPr>
+        <p:cNvPr id="1" name=""/>
+        <p:cNvGrpSpPr/>
+        <p:nvPr/>
+      </p:nvGrpSpPr>
+      <p:grpSpPr>
+        <a:xfrm>
+          <a:off x="0" y="0"/>
+          <a:ext cx="0" cy="0"/>
+          <a:chOff x="0" y="0"/>
+          <a:chExt cx="0" cy="0"/>
+        </a:xfrm>
+      </p:grpSpPr>
+      <p:sp>
+        <p:nvSpPr>
+          <p:cNvPr id="2" name="Titre 1">
+            <a:extLst>
+              <a:ext uri="{FF2B5EF4-FFF2-40B4-BE49-F238E27FC236}">
+                <a16:creationId xmlns:a16="http://schemas.microsoft.com/office/drawing/2014/main" id="{56687350-76BE-4FAF-BDE6-A00806E912C1}"/>
+              </a:ext>
+            </a:extLst>
+          </p:cNvPr>
+          <p:cNvSpPr>
+            <a:spLocks noGrp="1"/>
+          </p:cNvSpPr>
+          <p:nvPr>
+            <p:ph type="title"/>
+          </p:nvPr>
+        </p:nvSpPr>
+        <p:spPr/>
+        <p:txBody>
+          <a:bodyPr/>
+          <a:lstStyle/>
+          <a:p>
+            <a:r>
+              <a:rPr lang="fr-FR" dirty="0" err="1"/>
+              <a:t>Lazy</a:t>
+            </a:r>
+            <a:r>
+              <a:rPr lang="fr-FR" dirty="0"/>
+              <a:t> </a:t>
+            </a:r>
+            <a:r>
+              <a:rPr lang="fr-FR" dirty="0" err="1"/>
+              <a:t>Loading</a:t>
+            </a:r>
+            <a:endParaRPr lang="fr-FR" dirty="0"/>
+          </a:p>
+        </p:txBody>
+      </p:sp>
+      <p:sp>
+        <p:nvSpPr>
+          <p:cNvPr id="3" name="Espace réservé du contenu 2">
+            <a:extLst>
+              <a:ext uri="{FF2B5EF4-FFF2-40B4-BE49-F238E27FC236}">
+                <a16:creationId xmlns:a16="http://schemas.microsoft.com/office/drawing/2014/main" id="{76C77A21-652D-4904-80F7-DD5752CFF2D1}"/>
+              </a:ext>
+            </a:extLst>
+          </p:cNvPr>
+          <p:cNvSpPr>
+            <a:spLocks noGrp="1"/>
+          </p:cNvSpPr>
+          <p:nvPr>
+            <p:ph idx="1"/>
+          </p:nvPr>
+        </p:nvSpPr>
+        <p:spPr/>
+        <p:txBody>
+          <a:bodyPr/>
+          <a:lstStyle/>
+          <a:p>
+            <a:r>
+              <a:rPr lang="fr-FR" dirty="0"/>
+              <a:t>Par défaut tous les modules des routes sont chargés en mémoire dés le démarrage de l'application</a:t>
+            </a:r>
+          </a:p>
+          <a:p>
+            <a:pPr lvl="1"/>
+            <a:r>
+              <a:rPr lang="fr-FR" dirty="0"/>
+              <a:t>même si l'utilisateur n'utilise pas une route</a:t>
+            </a:r>
+          </a:p>
+          <a:p>
+            <a:r>
+              <a:rPr lang="fr-FR" dirty="0"/>
+              <a:t>Il est possible de chargé une route en différé</a:t>
+            </a:r>
+          </a:p>
+          <a:p>
+            <a:endParaRPr lang="fr-FR" dirty="0"/>
+          </a:p>
+        </p:txBody>
+      </p:sp>
+      <p:pic>
+        <p:nvPicPr>
+          <p:cNvPr id="5" name="Image 4">
+            <a:extLst>
+              <a:ext uri="{FF2B5EF4-FFF2-40B4-BE49-F238E27FC236}">
+                <a16:creationId xmlns:a16="http://schemas.microsoft.com/office/drawing/2014/main" id="{83450419-D66A-4630-A72F-0FE8090B5A95}"/>
+              </a:ext>
+            </a:extLst>
+          </p:cNvPr>
+          <p:cNvPicPr>
+            <a:picLocks noChangeAspect="1"/>
+          </p:cNvPicPr>
+          <p:nvPr/>
+        </p:nvPicPr>
+        <p:blipFill>
+          <a:blip r:embed="rId2"/>
+          <a:stretch>
+            <a:fillRect/>
+          </a:stretch>
+        </p:blipFill>
+        <p:spPr>
+          <a:xfrm>
+            <a:off x="352487" y="3805386"/>
+            <a:ext cx="8420100" cy="2647950"/>
+          </a:xfrm>
+          <a:prstGeom prst="rect">
+            <a:avLst/>
+          </a:prstGeom>
+        </p:spPr>
+      </p:pic>
+    </p:spTree>
+    <p:extLst>
+      <p:ext uri="{BB962C8B-B14F-4D97-AF65-F5344CB8AC3E}">
+        <p14:creationId xmlns:p14="http://schemas.microsoft.com/office/powerpoint/2010/main" val="2628327468"/>
+      </p:ext>
+    </p:extLst>
+  </p:cSld>
+  <p:clrMapOvr>
+    <a:masterClrMapping/>
+  </p:clrMapOvr>
+</p:sld>
+</file>
+
+<file path=ppt/slides/slide19.xml><?xml version="1.0" encoding="utf-8"?>
+<p:sld xmlns:a="http://schemas.openxmlformats.org/drawingml/2006/main" xmlns:r="http://schemas.openxmlformats.org/officeDocument/2006/relationships" xmlns:p="http://schemas.openxmlformats.org/presentationml/2006/main">
+  <p:cSld>
+    <p:spTree>
+      <p:nvGrpSpPr>
+        <p:cNvPr id="1" name=""/>
+        <p:cNvGrpSpPr/>
+        <p:nvPr/>
+      </p:nvGrpSpPr>
+      <p:grpSpPr>
+        <a:xfrm>
+          <a:off x="0" y="0"/>
+          <a:ext cx="0" cy="0"/>
+          <a:chOff x="0" y="0"/>
+          <a:chExt cx="0" cy="0"/>
+        </a:xfrm>
+      </p:grpSpPr>
+      <p:sp>
+        <p:nvSpPr>
+          <p:cNvPr id="2" name="Titre 1">
+            <a:extLst>
+              <a:ext uri="{FF2B5EF4-FFF2-40B4-BE49-F238E27FC236}">
+                <a16:creationId xmlns:a16="http://schemas.microsoft.com/office/drawing/2014/main" id="{FE2125E4-15BC-4748-A39C-FD1143FA96A2}"/>
+              </a:ext>
+            </a:extLst>
+          </p:cNvPr>
+          <p:cNvSpPr>
+            <a:spLocks noGrp="1"/>
+          </p:cNvSpPr>
+          <p:nvPr>
+            <p:ph type="title"/>
+          </p:nvPr>
+        </p:nvSpPr>
+        <p:spPr/>
+        <p:txBody>
+          <a:bodyPr/>
+          <a:lstStyle/>
+          <a:p>
+            <a:r>
+              <a:rPr lang="fr-FR" dirty="0" err="1"/>
+              <a:t>Preload</a:t>
+            </a:r>
+            <a:endParaRPr lang="fr-FR" dirty="0"/>
+          </a:p>
+        </p:txBody>
+      </p:sp>
+      <p:sp>
+        <p:nvSpPr>
+          <p:cNvPr id="3" name="Espace réservé du contenu 2">
+            <a:extLst>
+              <a:ext uri="{FF2B5EF4-FFF2-40B4-BE49-F238E27FC236}">
+                <a16:creationId xmlns:a16="http://schemas.microsoft.com/office/drawing/2014/main" id="{F1E73F67-2F1E-4BDA-97A1-9813C1FD4E88}"/>
+              </a:ext>
+            </a:extLst>
+          </p:cNvPr>
+          <p:cNvSpPr>
+            <a:spLocks noGrp="1"/>
+          </p:cNvSpPr>
+          <p:nvPr>
+            <p:ph idx="1"/>
+          </p:nvPr>
+        </p:nvSpPr>
+        <p:spPr/>
+        <p:txBody>
+          <a:bodyPr/>
+          <a:lstStyle/>
+          <a:p>
+            <a:r>
+              <a:rPr lang="fr-FR" dirty="0" err="1"/>
+              <a:t>Preload</a:t>
+            </a:r>
+            <a:r>
+              <a:rPr lang="fr-FR" dirty="0"/>
+              <a:t> permet de charger les routes en tache de fond</a:t>
+            </a:r>
+          </a:p>
+          <a:p>
+            <a:pPr lvl="1"/>
+            <a:r>
+              <a:rPr lang="fr-FR" dirty="0"/>
+              <a:t>Pour activer le mode il faut importer  </a:t>
+            </a:r>
+            <a:r>
+              <a:rPr lang="fr-FR" dirty="0" err="1"/>
+              <a:t>PreloadAllModules</a:t>
+            </a:r>
+            <a:r>
+              <a:rPr lang="fr-FR" dirty="0"/>
+              <a:t> et ajouter à </a:t>
+            </a:r>
+            <a:r>
+              <a:rPr lang="fr-FR" dirty="0" err="1"/>
+              <a:t>forRoot</a:t>
+            </a:r>
+            <a:endParaRPr lang="fr-FR" dirty="0"/>
+          </a:p>
+          <a:p>
+            <a:pPr lvl="1"/>
+            <a:endParaRPr lang="fr-FR" dirty="0"/>
+          </a:p>
+          <a:p>
+            <a:pPr lvl="1"/>
+            <a:endParaRPr lang="fr-FR" dirty="0"/>
+          </a:p>
+          <a:p>
+            <a:pPr lvl="1"/>
+            <a:endParaRPr lang="fr-FR" dirty="0"/>
+          </a:p>
+          <a:p>
+            <a:pPr lvl="1"/>
+            <a:endParaRPr lang="fr-FR" dirty="0"/>
+          </a:p>
+          <a:p>
+            <a:pPr lvl="1"/>
+            <a:r>
+              <a:rPr lang="fr-FR" dirty="0"/>
+              <a:t>Des </a:t>
+            </a:r>
+            <a:r>
+              <a:rPr lang="fr-FR" dirty="0" err="1"/>
+              <a:t>Resolver</a:t>
+            </a:r>
+            <a:r>
+              <a:rPr lang="fr-FR" dirty="0"/>
+              <a:t> peuvent alors mis en place pour bloquer le routage par rapport à un Observable</a:t>
+            </a:r>
+          </a:p>
+          <a:p>
+            <a:pPr lvl="1"/>
+            <a:endParaRPr lang="fr-FR" dirty="0"/>
+          </a:p>
+        </p:txBody>
+      </p:sp>
+      <p:pic>
+        <p:nvPicPr>
+          <p:cNvPr id="4" name="Image 3">
+            <a:extLst>
+              <a:ext uri="{FF2B5EF4-FFF2-40B4-BE49-F238E27FC236}">
+                <a16:creationId xmlns:a16="http://schemas.microsoft.com/office/drawing/2014/main" id="{498EE63E-6773-477E-871A-2C211D96360B}"/>
+              </a:ext>
+            </a:extLst>
+          </p:cNvPr>
+          <p:cNvPicPr>
+            <a:picLocks noChangeAspect="1"/>
+          </p:cNvPicPr>
+          <p:nvPr/>
+        </p:nvPicPr>
+        <p:blipFill>
+          <a:blip r:embed="rId2"/>
+          <a:stretch>
+            <a:fillRect/>
+          </a:stretch>
+        </p:blipFill>
+        <p:spPr>
+          <a:xfrm>
+            <a:off x="2123728" y="3140968"/>
+            <a:ext cx="4162425" cy="1800225"/>
+          </a:xfrm>
+          <a:prstGeom prst="rect">
+            <a:avLst/>
+          </a:prstGeom>
+        </p:spPr>
+      </p:pic>
+    </p:spTree>
+    <p:extLst>
+      <p:ext uri="{BB962C8B-B14F-4D97-AF65-F5344CB8AC3E}">
+        <p14:creationId xmlns:p14="http://schemas.microsoft.com/office/powerpoint/2010/main" val="1283638645"/>
+      </p:ext>
+    </p:extLst>
+  </p:cSld>
+  <p:clrMapOvr>
+    <a:masterClrMapping/>
+  </p:clrMapOvr>
+</p:sld>
+</file>
+
 <file path=ppt/slides/slide2.xml><?xml version="1.0" encoding="utf-8"?>
 <p:sld xmlns:a="http://schemas.openxmlformats.org/drawingml/2006/main" xmlns:r="http://schemas.openxmlformats.org/officeDocument/2006/relationships" xmlns:p="http://schemas.openxmlformats.org/presentationml/2006/main">
   <p:cSld>
@@ -5866,7 +6185,7 @@
             </a:r>
             <a:r>
               <a:rPr lang="fr-FR" dirty="0"/>
-              <a:t> démarre les routes</a:t>
+              <a:t> démarre les routes dans un singleton au démarrage</a:t>
             </a:r>
           </a:p>
           <a:p>
@@ -5905,7 +6224,7 @@
         </p:blipFill>
         <p:spPr>
           <a:xfrm>
-            <a:off x="1835696" y="4077072"/>
+            <a:off x="1689206" y="3909705"/>
             <a:ext cx="5746662" cy="1738486"/>
           </a:xfrm>
           <a:prstGeom prst="rect">
